--- a/Notebooks/Nederlands/02 - Objecten datastructuren en operatoren/10 - Files.pptx
+++ b/Notebooks/Nederlands/02 - Objecten datastructuren en operatoren/10 - Files.pptx
@@ -120,6 +120,45 @@
     <p:sldId id="368" r:id="rId119"/>
     <p:sldId id="369" r:id="rId120"/>
     <p:sldId id="370" r:id="rId121"/>
+    <p:sldId id="371" r:id="rId122"/>
+    <p:sldId id="372" r:id="rId123"/>
+    <p:sldId id="373" r:id="rId124"/>
+    <p:sldId id="374" r:id="rId125"/>
+    <p:sldId id="375" r:id="rId126"/>
+    <p:sldId id="376" r:id="rId127"/>
+    <p:sldId id="377" r:id="rId128"/>
+    <p:sldId id="378" r:id="rId129"/>
+    <p:sldId id="379" r:id="rId130"/>
+    <p:sldId id="380" r:id="rId131"/>
+    <p:sldId id="381" r:id="rId132"/>
+    <p:sldId id="382" r:id="rId133"/>
+    <p:sldId id="383" r:id="rId134"/>
+    <p:sldId id="384" r:id="rId135"/>
+    <p:sldId id="385" r:id="rId136"/>
+    <p:sldId id="386" r:id="rId137"/>
+    <p:sldId id="387" r:id="rId138"/>
+    <p:sldId id="388" r:id="rId139"/>
+    <p:sldId id="389" r:id="rId140"/>
+    <p:sldId id="390" r:id="rId141"/>
+    <p:sldId id="391" r:id="rId142"/>
+    <p:sldId id="392" r:id="rId143"/>
+    <p:sldId id="393" r:id="rId144"/>
+    <p:sldId id="394" r:id="rId145"/>
+    <p:sldId id="395" r:id="rId146"/>
+    <p:sldId id="396" r:id="rId147"/>
+    <p:sldId id="397" r:id="rId148"/>
+    <p:sldId id="398" r:id="rId149"/>
+    <p:sldId id="399" r:id="rId150"/>
+    <p:sldId id="400" r:id="rId151"/>
+    <p:sldId id="401" r:id="rId152"/>
+    <p:sldId id="402" r:id="rId153"/>
+    <p:sldId id="403" r:id="rId154"/>
+    <p:sldId id="404" r:id="rId155"/>
+    <p:sldId id="405" r:id="rId156"/>
+    <p:sldId id="406" r:id="rId157"/>
+    <p:sldId id="407" r:id="rId158"/>
+    <p:sldId id="408" r:id="rId159"/>
+    <p:sldId id="409" r:id="rId160"/>
   </p:sldIdLst>
   <p:sldSz cx="9144000" cy="6858000" type="screen4x3"/>
   <p:notesSz cx="6858000" cy="9144000"/>
@@ -4507,6 +4546,256 @@
 </p:sld>
 </file>
 
+<file path=ppt/slides/slide116.xml><?xml version="1.0" encoding="utf-8"?>
+<p:sld xmlns:a="http://schemas.openxmlformats.org/drawingml/2006/main" xmlns:p="http://schemas.openxmlformats.org/presentationml/2006/main" xmlns:r="http://schemas.openxmlformats.org/officeDocument/2006/relationships">
+  <p:cSld>
+    <p:spTree>
+      <p:nvGrpSpPr>
+        <p:cNvPr id="1" name=""/>
+        <p:cNvGrpSpPr/>
+        <p:nvPr/>
+      </p:nvGrpSpPr>
+      <p:grpSpPr/>
+      <p:pic>
+        <p:nvPicPr>
+          <p:cNvPr id="2" name="Picture 1" descr="image.png"/>
+          <p:cNvPicPr>
+            <a:picLocks noChangeAspect="1"/>
+          </p:cNvPicPr>
+          <p:nvPr/>
+        </p:nvPicPr>
+        <p:blipFill>
+          <a:blip r:embed="rId2"/>
+          <a:stretch>
+            <a:fillRect/>
+          </a:stretch>
+        </p:blipFill>
+        <p:spPr>
+          <a:xfrm>
+            <a:off x="914400" y="914400"/>
+            <a:ext cx="5105400" cy="1346200"/>
+          </a:xfrm>
+          <a:prstGeom prst="rect">
+            <a:avLst/>
+          </a:prstGeom>
+        </p:spPr>
+      </p:pic>
+    </p:spTree>
+  </p:cSld>
+  <p:clrMapOvr>
+    <a:masterClrMapping/>
+  </p:clrMapOvr>
+</p:sld>
+</file>
+
+<file path=ppt/slides/slide117.xml><?xml version="1.0" encoding="utf-8"?>
+<p:sld xmlns:a="http://schemas.openxmlformats.org/drawingml/2006/main" xmlns:p="http://schemas.openxmlformats.org/presentationml/2006/main" xmlns:r="http://schemas.openxmlformats.org/officeDocument/2006/relationships">
+  <p:cSld>
+    <p:spTree>
+      <p:nvGrpSpPr>
+        <p:cNvPr id="1" name=""/>
+        <p:cNvGrpSpPr/>
+        <p:nvPr/>
+      </p:nvGrpSpPr>
+      <p:grpSpPr/>
+      <p:sp>
+        <p:nvSpPr>
+          <p:cNvPr id="2" name="TextBox 1"/>
+          <p:cNvSpPr txBox="1"/>
+          <p:nvPr/>
+        </p:nvSpPr>
+        <p:spPr>
+          <a:xfrm>
+            <a:off x="914400" y="914400"/>
+            <a:ext cx="914400" cy="914400"/>
+          </a:xfrm>
+          <a:prstGeom prst="rect">
+            <a:avLst/>
+          </a:prstGeom>
+          <a:noFill/>
+        </p:spPr>
+        <p:txBody>
+          <a:bodyPr wrap="none">
+            <a:spAutoFit/>
+          </a:bodyPr>
+          <a:lstStyle/>
+          <a:p>
+            <a:r>
+              <a:t>Info:</a:t>
+            </a:r>
+          </a:p>
+          <a:p>
+            <a:pPr>
+              <a:defRPr sz="1200"/>
+            </a:pPr>
+            <a:r>
+              <a:t>&lt;center&gt;</a:t>
+            </a:r>
+            <a:br/>
+            <a:r>
+              <a:t>    &lt;img src='https://intecbrussel.be/img/logo3.png' width='400px' height='auto'/&gt;</a:t>
+            </a:r>
+            <a:br/>
+            <a:r>
+              <a:t>    &lt;br/&gt;</a:t>
+            </a:r>
+            <a:br/>
+            <a:r>
+              <a:t>    &lt;em&gt;Python les-materialen&lt;/em&gt;</a:t>
+            </a:r>
+            <a:br/>
+            <a:r>
+              <a:t>&lt;/center&gt;</a:t>
+            </a:r>
+            <a:br/>
+          </a:p>
+        </p:txBody>
+      </p:sp>
+    </p:spTree>
+  </p:cSld>
+  <p:clrMapOvr>
+    <a:masterClrMapping/>
+  </p:clrMapOvr>
+</p:sld>
+</file>
+
+<file path=ppt/slides/slide118.xml><?xml version="1.0" encoding="utf-8"?>
+<p:sld xmlns:a="http://schemas.openxmlformats.org/drawingml/2006/main" xmlns:p="http://schemas.openxmlformats.org/presentationml/2006/main" xmlns:r="http://schemas.openxmlformats.org/officeDocument/2006/relationships">
+  <p:cSld>
+    <p:spTree>
+      <p:nvGrpSpPr>
+        <p:cNvPr id="1" name=""/>
+        <p:cNvGrpSpPr/>
+        <p:nvPr/>
+      </p:nvGrpSpPr>
+      <p:grpSpPr/>
+      <p:sp>
+        <p:nvSpPr>
+          <p:cNvPr id="2" name="TextBox 1"/>
+          <p:cNvSpPr txBox="1"/>
+          <p:nvPr/>
+        </p:nvSpPr>
+        <p:spPr>
+          <a:xfrm>
+            <a:off x="914400" y="914400"/>
+            <a:ext cx="914400" cy="914400"/>
+          </a:xfrm>
+          <a:prstGeom prst="rect">
+            <a:avLst/>
+          </a:prstGeom>
+          <a:noFill/>
+        </p:spPr>
+        <p:txBody>
+          <a:bodyPr wrap="none">
+            <a:spAutoFit/>
+          </a:bodyPr>
+          <a:lstStyle/>
+          <a:p>
+            <a:r>
+              <a:t>Info:</a:t>
+            </a:r>
+          </a:p>
+          <a:p>
+            <a:pPr>
+              <a:defRPr sz="1200"/>
+            </a:pPr>
+            <a:r>
+              <a:t># Files (Bestanden)</a:t>
+            </a:r>
+            <a:br/>
+            <a:br/>
+            <a:r>
+              <a:t>Python gebruikt file-objecten (bestandsobjecten) om te communiceren met externe bestanden op uw computer. Deze bestandsobjecten kunnen elk soort bestand zijn dat u op uw computer heeft, of het nu een audiobestand, een tekstbestand, e-mails, Excel-documenten, enz. is. </a:t>
+            </a:r>
+            <a:br/>
+            <a:r>
+              <a:t>Opmerking: u zult waarschijnlijk bepaalde bibliotheken of modules moeten installeren om met die verschillende bestandstypen, maar ze zijn gemakkelijk beschikbaar. (Later in de cursus zullen we het downloaden van modules behandelen).</a:t>
+            </a:r>
+            <a:br/>
+            <a:br/>
+            <a:r>
+              <a:t>Python heeft een ingebouwde open-functie waarmee we basisbestandstypen kunnen openen en ermee kunnen spelen. Eerst hebben we echter een bestand nodig. We gaan wat IPython-magie gebruiken om een tekstbestand te maken!</a:t>
+            </a:r>
+            <a:br/>
+            <a:br/>
+            <a:r>
+              <a:t>## IPython Een bestand schrijven</a:t>
+            </a:r>
+            <a:br/>
+            <a:r>
+              <a:t>#### Deze functie is specifiek voor jupyter-notitieboeken! U kunt ook snel een eenvoudig .txt-bestand maken met een sublieme teksteditor.</a:t>
+            </a:r>
+            <a:br/>
+          </a:p>
+        </p:txBody>
+      </p:sp>
+    </p:spTree>
+  </p:cSld>
+  <p:clrMapOvr>
+    <a:masterClrMapping/>
+  </p:clrMapOvr>
+</p:sld>
+</file>
+
+<file path=ppt/slides/slide119.xml><?xml version="1.0" encoding="utf-8"?>
+<p:sld xmlns:a="http://schemas.openxmlformats.org/drawingml/2006/main" xmlns:p="http://schemas.openxmlformats.org/presentationml/2006/main" xmlns:r="http://schemas.openxmlformats.org/officeDocument/2006/relationships">
+  <p:cSld>
+    <p:spTree>
+      <p:nvGrpSpPr>
+        <p:cNvPr id="1" name=""/>
+        <p:cNvGrpSpPr/>
+        <p:nvPr/>
+      </p:nvGrpSpPr>
+      <p:grpSpPr/>
+      <p:sp>
+        <p:nvSpPr>
+          <p:cNvPr id="2" name="TextBox 1"/>
+          <p:cNvSpPr txBox="1"/>
+          <p:nvPr/>
+        </p:nvSpPr>
+        <p:spPr>
+          <a:xfrm>
+            <a:off x="914400" y="914400"/>
+            <a:ext cx="914400" cy="914400"/>
+          </a:xfrm>
+          <a:prstGeom prst="rect">
+            <a:avLst/>
+          </a:prstGeom>
+          <a:noFill/>
+        </p:spPr>
+        <p:txBody>
+          <a:bodyPr wrap="none">
+            <a:spAutoFit/>
+          </a:bodyPr>
+          <a:lstStyle/>
+          <a:p>
+            <a:r>
+              <a:t>Python Code: </a:t>
+            </a:r>
+          </a:p>
+          <a:p>
+            <a:pPr>
+              <a:defRPr sz="1200"/>
+            </a:pPr>
+            <a:r>
+              <a:t>``` %%writefile test.txt</a:t>
+            </a:r>
+            <a:br/>
+            <a:r>
+              <a:t> `````` Hello, this is a quick test file. ```</a:t>
+            </a:r>
+            <a:br/>
+          </a:p>
+        </p:txBody>
+      </p:sp>
+    </p:spTree>
+  </p:cSld>
+  <p:clrMapOvr>
+    <a:masterClrMapping/>
+  </p:clrMapOvr>
+</p:sld>
+</file>
+
 <file path=ppt/slides/slide12.xml><?xml version="1.0" encoding="utf-8"?>
 <p:sld xmlns:a="http://schemas.openxmlformats.org/drawingml/2006/main" xmlns:p="http://schemas.openxmlformats.org/presentationml/2006/main" xmlns:r="http://schemas.openxmlformats.org/officeDocument/2006/relationships">
   <p:cSld>
@@ -4568,6 +4857,602 @@
 </p:sld>
 </file>
 
+<file path=ppt/slides/slide120.xml><?xml version="1.0" encoding="utf-8"?>
+<p:sld xmlns:a="http://schemas.openxmlformats.org/drawingml/2006/main" xmlns:p="http://schemas.openxmlformats.org/presentationml/2006/main" xmlns:r="http://schemas.openxmlformats.org/officeDocument/2006/relationships">
+  <p:cSld>
+    <p:spTree>
+      <p:nvGrpSpPr>
+        <p:cNvPr id="1" name=""/>
+        <p:cNvGrpSpPr/>
+        <p:nvPr/>
+      </p:nvGrpSpPr>
+      <p:grpSpPr/>
+      <p:sp>
+        <p:nvSpPr>
+          <p:cNvPr id="2" name="TextBox 1"/>
+          <p:cNvSpPr txBox="1"/>
+          <p:nvPr/>
+        </p:nvSpPr>
+        <p:spPr>
+          <a:xfrm>
+            <a:off x="914400" y="914400"/>
+            <a:ext cx="914400" cy="914400"/>
+          </a:xfrm>
+          <a:prstGeom prst="rect">
+            <a:avLst/>
+          </a:prstGeom>
+          <a:noFill/>
+        </p:spPr>
+        <p:txBody>
+          <a:bodyPr wrap="none">
+            <a:spAutoFit/>
+          </a:bodyPr>
+          <a:lstStyle/>
+          <a:p>
+            <a:r>
+              <a:t>Info:</a:t>
+            </a:r>
+          </a:p>
+          <a:p>
+            <a:pPr>
+              <a:defRPr sz="1200"/>
+            </a:pPr>
+            <a:r>
+              <a:t>## Python Een bestand openen</a:t>
+            </a:r>
+            <a:br/>
+            <a:br/>
+            <a:r>
+              <a:t>Laten we dat doen door het bestand test.txt te openen dat zich in dezelfde map als dit notitieblok bevindt. Voor nu zullen we werken met bestanden die zich in dezelfde map bevinden als het notebook- of .py-script dat u gebruikt.</a:t>
+            </a:r>
+            <a:br/>
+            <a:br/>
+            <a:r>
+              <a:t>Het is heel gemakkelijk om een foutmelding te krijgen bij deze stap:</a:t>
+            </a:r>
+            <a:br/>
+          </a:p>
+        </p:txBody>
+      </p:sp>
+    </p:spTree>
+  </p:cSld>
+  <p:clrMapOvr>
+    <a:masterClrMapping/>
+  </p:clrMapOvr>
+</p:sld>
+</file>
+
+<file path=ppt/slides/slide121.xml><?xml version="1.0" encoding="utf-8"?>
+<p:sld xmlns:a="http://schemas.openxmlformats.org/drawingml/2006/main" xmlns:p="http://schemas.openxmlformats.org/presentationml/2006/main" xmlns:r="http://schemas.openxmlformats.org/officeDocument/2006/relationships">
+  <p:cSld>
+    <p:spTree>
+      <p:nvGrpSpPr>
+        <p:cNvPr id="1" name=""/>
+        <p:cNvGrpSpPr/>
+        <p:nvPr/>
+      </p:nvGrpSpPr>
+      <p:grpSpPr/>
+      <p:sp>
+        <p:nvSpPr>
+          <p:cNvPr id="2" name="TextBox 1"/>
+          <p:cNvSpPr txBox="1"/>
+          <p:nvPr/>
+        </p:nvSpPr>
+        <p:spPr>
+          <a:xfrm>
+            <a:off x="914400" y="914400"/>
+            <a:ext cx="914400" cy="914400"/>
+          </a:xfrm>
+          <a:prstGeom prst="rect">
+            <a:avLst/>
+          </a:prstGeom>
+          <a:noFill/>
+        </p:spPr>
+        <p:txBody>
+          <a:bodyPr wrap="none">
+            <a:spAutoFit/>
+          </a:bodyPr>
+          <a:lstStyle/>
+          <a:p>
+            <a:r>
+              <a:t>Python Code: </a:t>
+            </a:r>
+          </a:p>
+          <a:p>
+            <a:pPr>
+              <a:defRPr sz="1200"/>
+            </a:pPr>
+            <a:r>
+              <a:t>``` myfile = open('whoops.txt') ```</a:t>
+            </a:r>
+            <a:br/>
+          </a:p>
+        </p:txBody>
+      </p:sp>
+    </p:spTree>
+  </p:cSld>
+  <p:clrMapOvr>
+    <a:masterClrMapping/>
+  </p:clrMapOvr>
+</p:sld>
+</file>
+
+<file path=ppt/slides/slide122.xml><?xml version="1.0" encoding="utf-8"?>
+<p:sld xmlns:a="http://schemas.openxmlformats.org/drawingml/2006/main" xmlns:p="http://schemas.openxmlformats.org/presentationml/2006/main" xmlns:r="http://schemas.openxmlformats.org/officeDocument/2006/relationships">
+  <p:cSld>
+    <p:spTree>
+      <p:nvGrpSpPr>
+        <p:cNvPr id="1" name=""/>
+        <p:cNvGrpSpPr/>
+        <p:nvPr/>
+      </p:nvGrpSpPr>
+      <p:grpSpPr/>
+      <p:sp>
+        <p:nvSpPr>
+          <p:cNvPr id="2" name="TextBox 1"/>
+          <p:cNvSpPr txBox="1"/>
+          <p:nvPr/>
+        </p:nvSpPr>
+        <p:spPr>
+          <a:xfrm>
+            <a:off x="914400" y="914400"/>
+            <a:ext cx="914400" cy="914400"/>
+          </a:xfrm>
+          <a:prstGeom prst="rect">
+            <a:avLst/>
+          </a:prstGeom>
+          <a:noFill/>
+        </p:spPr>
+        <p:txBody>
+          <a:bodyPr wrap="none">
+            <a:spAutoFit/>
+          </a:bodyPr>
+          <a:lstStyle/>
+          <a:p>
+            <a:r>
+              <a:t>Info:</a:t>
+            </a:r>
+          </a:p>
+          <a:p>
+            <a:pPr>
+              <a:defRPr sz="1200"/>
+            </a:pPr>
+            <a:r>
+              <a:t>Om deze fout te voorkomen, moet u ervoor zorgen dat uw .txt-bestand op dezelfde locatie als uw notebook is opgeslagen. Gebruik **pwd** om de locatie van uw notebook te controleren:</a:t>
+            </a:r>
+            <a:br/>
+          </a:p>
+        </p:txBody>
+      </p:sp>
+    </p:spTree>
+  </p:cSld>
+  <p:clrMapOvr>
+    <a:masterClrMapping/>
+  </p:clrMapOvr>
+</p:sld>
+</file>
+
+<file path=ppt/slides/slide123.xml><?xml version="1.0" encoding="utf-8"?>
+<p:sld xmlns:a="http://schemas.openxmlformats.org/drawingml/2006/main" xmlns:p="http://schemas.openxmlformats.org/presentationml/2006/main" xmlns:r="http://schemas.openxmlformats.org/officeDocument/2006/relationships">
+  <p:cSld>
+    <p:spTree>
+      <p:nvGrpSpPr>
+        <p:cNvPr id="1" name=""/>
+        <p:cNvGrpSpPr/>
+        <p:nvPr/>
+      </p:nvGrpSpPr>
+      <p:grpSpPr/>
+      <p:sp>
+        <p:nvSpPr>
+          <p:cNvPr id="2" name="TextBox 1"/>
+          <p:cNvSpPr txBox="1"/>
+          <p:nvPr/>
+        </p:nvSpPr>
+        <p:spPr>
+          <a:xfrm>
+            <a:off x="914400" y="914400"/>
+            <a:ext cx="914400" cy="914400"/>
+          </a:xfrm>
+          <a:prstGeom prst="rect">
+            <a:avLst/>
+          </a:prstGeom>
+          <a:noFill/>
+        </p:spPr>
+        <p:txBody>
+          <a:bodyPr wrap="none">
+            <a:spAutoFit/>
+          </a:bodyPr>
+          <a:lstStyle/>
+          <a:p>
+            <a:r>
+              <a:t>Python Code: </a:t>
+            </a:r>
+          </a:p>
+          <a:p>
+            <a:pPr>
+              <a:defRPr sz="1200"/>
+            </a:pPr>
+            <a:r>
+              <a:t>``` pwd ```</a:t>
+            </a:r>
+            <a:br/>
+          </a:p>
+        </p:txBody>
+      </p:sp>
+    </p:spTree>
+  </p:cSld>
+  <p:clrMapOvr>
+    <a:masterClrMapping/>
+  </p:clrMapOvr>
+</p:sld>
+</file>
+
+<file path=ppt/slides/slide124.xml><?xml version="1.0" encoding="utf-8"?>
+<p:sld xmlns:a="http://schemas.openxmlformats.org/drawingml/2006/main" xmlns:p="http://schemas.openxmlformats.org/presentationml/2006/main" xmlns:r="http://schemas.openxmlformats.org/officeDocument/2006/relationships">
+  <p:cSld>
+    <p:spTree>
+      <p:nvGrpSpPr>
+        <p:cNvPr id="1" name=""/>
+        <p:cNvGrpSpPr/>
+        <p:nvPr/>
+      </p:nvGrpSpPr>
+      <p:grpSpPr/>
+      <p:sp>
+        <p:nvSpPr>
+          <p:cNvPr id="2" name="TextBox 1"/>
+          <p:cNvSpPr txBox="1"/>
+          <p:nvPr/>
+        </p:nvSpPr>
+        <p:spPr>
+          <a:xfrm>
+            <a:off x="914400" y="914400"/>
+            <a:ext cx="914400" cy="914400"/>
+          </a:xfrm>
+          <a:prstGeom prst="rect">
+            <a:avLst/>
+          </a:prstGeom>
+          <a:noFill/>
+        </p:spPr>
+        <p:txBody>
+          <a:bodyPr wrap="none">
+            <a:spAutoFit/>
+          </a:bodyPr>
+          <a:lstStyle/>
+          <a:p>
+            <a:r>
+              <a:t>Info:</a:t>
+            </a:r>
+          </a:p>
+          <a:p>
+            <a:pPr>
+              <a:defRPr sz="1200"/>
+            </a:pPr>
+            <a:r>
+              <a:t>**Als alternatief, om bestanden van elke locatie op uw computer te pakken, geeft u gewoon het volledige bestand-pad door. **</a:t>
+            </a:r>
+            <a:br/>
+            <a:br/>
+            <a:r>
+              <a:t>Voor Windows moet je dubbel \ (back slash) gebruiken zodat python de tweede \ niet als een escape-teken behandelt, een bestand-pad heeft de vorm:</a:t>
+            </a:r>
+            <a:br/>
+            <a:br/>
+            <a:r>
+              <a:t>    myfile = open("C:\\Users\\YourUserName\\Home\\Folder\\myfile.txt")</a:t>
+            </a:r>
+            <a:br/>
+            <a:br/>
+            <a:r>
+              <a:t>Voor MacOS en Linux gebruik je schuine strepen (forward slash) in de tegenovergestelde richting:</a:t>
+            </a:r>
+            <a:br/>
+            <a:br/>
+            <a:r>
+              <a:t>    myfile = open("/Users/YouUserName/Folder/myfile.txt")</a:t>
+            </a:r>
+            <a:br/>
+          </a:p>
+        </p:txBody>
+      </p:sp>
+    </p:spTree>
+  </p:cSld>
+  <p:clrMapOvr>
+    <a:masterClrMapping/>
+  </p:clrMapOvr>
+</p:sld>
+</file>
+
+<file path=ppt/slides/slide125.xml><?xml version="1.0" encoding="utf-8"?>
+<p:sld xmlns:a="http://schemas.openxmlformats.org/drawingml/2006/main" xmlns:p="http://schemas.openxmlformats.org/presentationml/2006/main" xmlns:r="http://schemas.openxmlformats.org/officeDocument/2006/relationships">
+  <p:cSld>
+    <p:spTree>
+      <p:nvGrpSpPr>
+        <p:cNvPr id="1" name=""/>
+        <p:cNvGrpSpPr/>
+        <p:nvPr/>
+      </p:nvGrpSpPr>
+      <p:grpSpPr/>
+      <p:sp>
+        <p:nvSpPr>
+          <p:cNvPr id="2" name="TextBox 1"/>
+          <p:cNvSpPr txBox="1"/>
+          <p:nvPr/>
+        </p:nvSpPr>
+        <p:spPr>
+          <a:xfrm>
+            <a:off x="914400" y="914400"/>
+            <a:ext cx="914400" cy="914400"/>
+          </a:xfrm>
+          <a:prstGeom prst="rect">
+            <a:avLst/>
+          </a:prstGeom>
+          <a:noFill/>
+        </p:spPr>
+        <p:txBody>
+          <a:bodyPr wrap="none">
+            <a:spAutoFit/>
+          </a:bodyPr>
+          <a:lstStyle/>
+          <a:p>
+            <a:r>
+              <a:t>Python Code: </a:t>
+            </a:r>
+          </a:p>
+          <a:p>
+            <a:pPr>
+              <a:defRPr sz="1200"/>
+            </a:pPr>
+            <a:r>
+              <a:t>``` # Open de text.txt die we eerder hebben gemaakt</a:t>
+            </a:r>
+            <a:br/>
+            <a:r>
+              <a:t> `````` my_file = open('test.txt') ```</a:t>
+            </a:r>
+            <a:br/>
+          </a:p>
+        </p:txBody>
+      </p:sp>
+    </p:spTree>
+  </p:cSld>
+  <p:clrMapOvr>
+    <a:masterClrMapping/>
+  </p:clrMapOvr>
+</p:sld>
+</file>
+
+<file path=ppt/slides/slide126.xml><?xml version="1.0" encoding="utf-8"?>
+<p:sld xmlns:a="http://schemas.openxmlformats.org/drawingml/2006/main" xmlns:p="http://schemas.openxmlformats.org/presentationml/2006/main" xmlns:r="http://schemas.openxmlformats.org/officeDocument/2006/relationships">
+  <p:cSld>
+    <p:spTree>
+      <p:nvGrpSpPr>
+        <p:cNvPr id="1" name=""/>
+        <p:cNvGrpSpPr/>
+        <p:nvPr/>
+      </p:nvGrpSpPr>
+      <p:grpSpPr/>
+      <p:sp>
+        <p:nvSpPr>
+          <p:cNvPr id="2" name="TextBox 1"/>
+          <p:cNvSpPr txBox="1"/>
+          <p:nvPr/>
+        </p:nvSpPr>
+        <p:spPr>
+          <a:xfrm>
+            <a:off x="914400" y="914400"/>
+            <a:ext cx="914400" cy="914400"/>
+          </a:xfrm>
+          <a:prstGeom prst="rect">
+            <a:avLst/>
+          </a:prstGeom>
+          <a:noFill/>
+        </p:spPr>
+        <p:txBody>
+          <a:bodyPr wrap="none">
+            <a:spAutoFit/>
+          </a:bodyPr>
+          <a:lstStyle/>
+          <a:p>
+            <a:r>
+              <a:t>Python Code: </a:t>
+            </a:r>
+          </a:p>
+          <a:p>
+            <a:pPr>
+              <a:defRPr sz="1200"/>
+            </a:pPr>
+            <a:r>
+              <a:t>``` # We kunnen het bestand nu lezen</a:t>
+            </a:r>
+            <a:br/>
+            <a:r>
+              <a:t> `````` my_file.read() ```</a:t>
+            </a:r>
+            <a:br/>
+          </a:p>
+        </p:txBody>
+      </p:sp>
+    </p:spTree>
+  </p:cSld>
+  <p:clrMapOvr>
+    <a:masterClrMapping/>
+  </p:clrMapOvr>
+</p:sld>
+</file>
+
+<file path=ppt/slides/slide127.xml><?xml version="1.0" encoding="utf-8"?>
+<p:sld xmlns:a="http://schemas.openxmlformats.org/drawingml/2006/main" xmlns:p="http://schemas.openxmlformats.org/presentationml/2006/main" xmlns:r="http://schemas.openxmlformats.org/officeDocument/2006/relationships">
+  <p:cSld>
+    <p:spTree>
+      <p:nvGrpSpPr>
+        <p:cNvPr id="1" name=""/>
+        <p:cNvGrpSpPr/>
+        <p:nvPr/>
+      </p:nvGrpSpPr>
+      <p:grpSpPr/>
+      <p:sp>
+        <p:nvSpPr>
+          <p:cNvPr id="2" name="TextBox 1"/>
+          <p:cNvSpPr txBox="1"/>
+          <p:nvPr/>
+        </p:nvSpPr>
+        <p:spPr>
+          <a:xfrm>
+            <a:off x="914400" y="914400"/>
+            <a:ext cx="914400" cy="914400"/>
+          </a:xfrm>
+          <a:prstGeom prst="rect">
+            <a:avLst/>
+          </a:prstGeom>
+          <a:noFill/>
+        </p:spPr>
+        <p:txBody>
+          <a:bodyPr wrap="none">
+            <a:spAutoFit/>
+          </a:bodyPr>
+          <a:lstStyle/>
+          <a:p>
+            <a:r>
+              <a:t>Python Code: </a:t>
+            </a:r>
+          </a:p>
+          <a:p>
+            <a:pPr>
+              <a:defRPr sz="1200"/>
+            </a:pPr>
+            <a:r>
+              <a:t>``` # Maar wat gebeurt er als we het opnieuw proberen te lezen?</a:t>
+            </a:r>
+            <a:br/>
+            <a:r>
+              <a:t> `````` my_file.read() ```</a:t>
+            </a:r>
+            <a:br/>
+          </a:p>
+        </p:txBody>
+      </p:sp>
+    </p:spTree>
+  </p:cSld>
+  <p:clrMapOvr>
+    <a:masterClrMapping/>
+  </p:clrMapOvr>
+</p:sld>
+</file>
+
+<file path=ppt/slides/slide128.xml><?xml version="1.0" encoding="utf-8"?>
+<p:sld xmlns:a="http://schemas.openxmlformats.org/drawingml/2006/main" xmlns:p="http://schemas.openxmlformats.org/presentationml/2006/main" xmlns:r="http://schemas.openxmlformats.org/officeDocument/2006/relationships">
+  <p:cSld>
+    <p:spTree>
+      <p:nvGrpSpPr>
+        <p:cNvPr id="1" name=""/>
+        <p:cNvGrpSpPr/>
+        <p:nvPr/>
+      </p:nvGrpSpPr>
+      <p:grpSpPr/>
+      <p:sp>
+        <p:nvSpPr>
+          <p:cNvPr id="2" name="TextBox 1"/>
+          <p:cNvSpPr txBox="1"/>
+          <p:nvPr/>
+        </p:nvSpPr>
+        <p:spPr>
+          <a:xfrm>
+            <a:off x="914400" y="914400"/>
+            <a:ext cx="914400" cy="914400"/>
+          </a:xfrm>
+          <a:prstGeom prst="rect">
+            <a:avLst/>
+          </a:prstGeom>
+          <a:noFill/>
+        </p:spPr>
+        <p:txBody>
+          <a:bodyPr wrap="none">
+            <a:spAutoFit/>
+          </a:bodyPr>
+          <a:lstStyle/>
+          <a:p>
+            <a:r>
+              <a:t>Info:</a:t>
+            </a:r>
+          </a:p>
+          <a:p>
+            <a:pPr>
+              <a:defRPr sz="1200"/>
+            </a:pPr>
+            <a:r>
+              <a:t>Dit gebeurt hier omdat je kunt voorstellen dat de lezende "cursor" aan het einde van het bestand staat nadat je het hebt gelezen. Er valt dus niets meer te lezen. We kunnen de "cursor" als volgt resetten:</a:t>
+            </a:r>
+            <a:br/>
+          </a:p>
+        </p:txBody>
+      </p:sp>
+    </p:spTree>
+  </p:cSld>
+  <p:clrMapOvr>
+    <a:masterClrMapping/>
+  </p:clrMapOvr>
+</p:sld>
+</file>
+
+<file path=ppt/slides/slide129.xml><?xml version="1.0" encoding="utf-8"?>
+<p:sld xmlns:a="http://schemas.openxmlformats.org/drawingml/2006/main" xmlns:p="http://schemas.openxmlformats.org/presentationml/2006/main" xmlns:r="http://schemas.openxmlformats.org/officeDocument/2006/relationships">
+  <p:cSld>
+    <p:spTree>
+      <p:nvGrpSpPr>
+        <p:cNvPr id="1" name=""/>
+        <p:cNvGrpSpPr/>
+        <p:nvPr/>
+      </p:nvGrpSpPr>
+      <p:grpSpPr/>
+      <p:sp>
+        <p:nvSpPr>
+          <p:cNvPr id="2" name="TextBox 1"/>
+          <p:cNvSpPr txBox="1"/>
+          <p:nvPr/>
+        </p:nvSpPr>
+        <p:spPr>
+          <a:xfrm>
+            <a:off x="914400" y="914400"/>
+            <a:ext cx="914400" cy="914400"/>
+          </a:xfrm>
+          <a:prstGeom prst="rect">
+            <a:avLst/>
+          </a:prstGeom>
+          <a:noFill/>
+        </p:spPr>
+        <p:txBody>
+          <a:bodyPr wrap="none">
+            <a:spAutoFit/>
+          </a:bodyPr>
+          <a:lstStyle/>
+          <a:p>
+            <a:r>
+              <a:t>Python Code: </a:t>
+            </a:r>
+          </a:p>
+          <a:p>
+            <a:pPr>
+              <a:defRPr sz="1200"/>
+            </a:pPr>
+            <a:r>
+              <a:t>``` # Zoek naar het begin van het bestand (index 0)</a:t>
+            </a:r>
+            <a:br/>
+            <a:r>
+              <a:t> `````` my_file.seek(0) ```</a:t>
+            </a:r>
+            <a:br/>
+          </a:p>
+        </p:txBody>
+      </p:sp>
+    </p:spTree>
+  </p:cSld>
+  <p:clrMapOvr>
+    <a:masterClrMapping/>
+  </p:clrMapOvr>
+</p:sld>
+</file>
+
 <file path=ppt/slides/slide13.xml><?xml version="1.0" encoding="utf-8"?>
 <p:sld xmlns:a="http://schemas.openxmlformats.org/drawingml/2006/main" xmlns:p="http://schemas.openxmlformats.org/presentationml/2006/main" xmlns:r="http://schemas.openxmlformats.org/officeDocument/2006/relationships">
   <p:cSld>
@@ -4634,6 +5519,601 @@
 </p:sld>
 </file>
 
+<file path=ppt/slides/slide130.xml><?xml version="1.0" encoding="utf-8"?>
+<p:sld xmlns:a="http://schemas.openxmlformats.org/drawingml/2006/main" xmlns:p="http://schemas.openxmlformats.org/presentationml/2006/main" xmlns:r="http://schemas.openxmlformats.org/officeDocument/2006/relationships">
+  <p:cSld>
+    <p:spTree>
+      <p:nvGrpSpPr>
+        <p:cNvPr id="1" name=""/>
+        <p:cNvGrpSpPr/>
+        <p:nvPr/>
+      </p:nvGrpSpPr>
+      <p:grpSpPr/>
+      <p:sp>
+        <p:nvSpPr>
+          <p:cNvPr id="2" name="TextBox 1"/>
+          <p:cNvSpPr txBox="1"/>
+          <p:nvPr/>
+        </p:nvSpPr>
+        <p:spPr>
+          <a:xfrm>
+            <a:off x="914400" y="914400"/>
+            <a:ext cx="914400" cy="914400"/>
+          </a:xfrm>
+          <a:prstGeom prst="rect">
+            <a:avLst/>
+          </a:prstGeom>
+          <a:noFill/>
+        </p:spPr>
+        <p:txBody>
+          <a:bodyPr wrap="none">
+            <a:spAutoFit/>
+          </a:bodyPr>
+          <a:lstStyle/>
+          <a:p>
+            <a:r>
+              <a:t>Python Code: </a:t>
+            </a:r>
+          </a:p>
+          <a:p>
+            <a:pPr>
+              <a:defRPr sz="1200"/>
+            </a:pPr>
+            <a:r>
+              <a:t>``` # Lees nu nog eens</a:t>
+            </a:r>
+            <a:br/>
+            <a:r>
+              <a:t> `````` my_file.read() ```</a:t>
+            </a:r>
+            <a:br/>
+          </a:p>
+        </p:txBody>
+      </p:sp>
+    </p:spTree>
+  </p:cSld>
+  <p:clrMapOvr>
+    <a:masterClrMapping/>
+  </p:clrMapOvr>
+</p:sld>
+</file>
+
+<file path=ppt/slides/slide131.xml><?xml version="1.0" encoding="utf-8"?>
+<p:sld xmlns:a="http://schemas.openxmlformats.org/drawingml/2006/main" xmlns:p="http://schemas.openxmlformats.org/presentationml/2006/main" xmlns:r="http://schemas.openxmlformats.org/officeDocument/2006/relationships">
+  <p:cSld>
+    <p:spTree>
+      <p:nvGrpSpPr>
+        <p:cNvPr id="1" name=""/>
+        <p:cNvGrpSpPr/>
+        <p:nvPr/>
+      </p:nvGrpSpPr>
+      <p:grpSpPr/>
+      <p:sp>
+        <p:nvSpPr>
+          <p:cNvPr id="2" name="TextBox 1"/>
+          <p:cNvSpPr txBox="1"/>
+          <p:nvPr/>
+        </p:nvSpPr>
+        <p:spPr>
+          <a:xfrm>
+            <a:off x="914400" y="914400"/>
+            <a:ext cx="914400" cy="914400"/>
+          </a:xfrm>
+          <a:prstGeom prst="rect">
+            <a:avLst/>
+          </a:prstGeom>
+          <a:noFill/>
+        </p:spPr>
+        <p:txBody>
+          <a:bodyPr wrap="none">
+            <a:spAutoFit/>
+          </a:bodyPr>
+          <a:lstStyle/>
+          <a:p>
+            <a:r>
+              <a:t>Info:</a:t>
+            </a:r>
+          </a:p>
+          <a:p>
+            <a:pPr>
+              <a:defRPr sz="1200"/>
+            </a:pPr>
+            <a:r>
+              <a:t>U kunt een bestand lijn voor lijn lezen met behulp van de readlines-methode. Wees voorzichtig met grote bestanden, aangezien alles in het geheugen wordt bewaard. We zullen later in de cursus leren hoe we grote bestanden kunnen herhalen.</a:t>
+            </a:r>
+            <a:br/>
+          </a:p>
+        </p:txBody>
+      </p:sp>
+    </p:spTree>
+  </p:cSld>
+  <p:clrMapOvr>
+    <a:masterClrMapping/>
+  </p:clrMapOvr>
+</p:sld>
+</file>
+
+<file path=ppt/slides/slide132.xml><?xml version="1.0" encoding="utf-8"?>
+<p:sld xmlns:a="http://schemas.openxmlformats.org/drawingml/2006/main" xmlns:p="http://schemas.openxmlformats.org/presentationml/2006/main" xmlns:r="http://schemas.openxmlformats.org/officeDocument/2006/relationships">
+  <p:cSld>
+    <p:spTree>
+      <p:nvGrpSpPr>
+        <p:cNvPr id="1" name=""/>
+        <p:cNvGrpSpPr/>
+        <p:nvPr/>
+      </p:nvGrpSpPr>
+      <p:grpSpPr/>
+      <p:sp>
+        <p:nvSpPr>
+          <p:cNvPr id="2" name="TextBox 1"/>
+          <p:cNvSpPr txBox="1"/>
+          <p:nvPr/>
+        </p:nvSpPr>
+        <p:spPr>
+          <a:xfrm>
+            <a:off x="914400" y="914400"/>
+            <a:ext cx="914400" cy="914400"/>
+          </a:xfrm>
+          <a:prstGeom prst="rect">
+            <a:avLst/>
+          </a:prstGeom>
+          <a:noFill/>
+        </p:spPr>
+        <p:txBody>
+          <a:bodyPr wrap="none">
+            <a:spAutoFit/>
+          </a:bodyPr>
+          <a:lstStyle/>
+          <a:p>
+            <a:r>
+              <a:t>Python Code: </a:t>
+            </a:r>
+          </a:p>
+          <a:p>
+            <a:pPr>
+              <a:defRPr sz="1200"/>
+            </a:pPr>
+            <a:r>
+              <a:t>``` # Readlines retourneert een lijst van de regels in het bestand</a:t>
+            </a:r>
+            <a:br/>
+            <a:r>
+              <a:t> `````` my_file.seek(0)</a:t>
+            </a:r>
+            <a:br/>
+            <a:r>
+              <a:t> `````` my_file.readlines() ```</a:t>
+            </a:r>
+            <a:br/>
+          </a:p>
+        </p:txBody>
+      </p:sp>
+    </p:spTree>
+  </p:cSld>
+  <p:clrMapOvr>
+    <a:masterClrMapping/>
+  </p:clrMapOvr>
+</p:sld>
+</file>
+
+<file path=ppt/slides/slide133.xml><?xml version="1.0" encoding="utf-8"?>
+<p:sld xmlns:a="http://schemas.openxmlformats.org/drawingml/2006/main" xmlns:p="http://schemas.openxmlformats.org/presentationml/2006/main" xmlns:r="http://schemas.openxmlformats.org/officeDocument/2006/relationships">
+  <p:cSld>
+    <p:spTree>
+      <p:nvGrpSpPr>
+        <p:cNvPr id="1" name=""/>
+        <p:cNvGrpSpPr/>
+        <p:nvPr/>
+      </p:nvGrpSpPr>
+      <p:grpSpPr/>
+      <p:sp>
+        <p:nvSpPr>
+          <p:cNvPr id="2" name="TextBox 1"/>
+          <p:cNvSpPr txBox="1"/>
+          <p:nvPr/>
+        </p:nvSpPr>
+        <p:spPr>
+          <a:xfrm>
+            <a:off x="914400" y="914400"/>
+            <a:ext cx="914400" cy="914400"/>
+          </a:xfrm>
+          <a:prstGeom prst="rect">
+            <a:avLst/>
+          </a:prstGeom>
+          <a:noFill/>
+        </p:spPr>
+        <p:txBody>
+          <a:bodyPr wrap="none">
+            <a:spAutoFit/>
+          </a:bodyPr>
+          <a:lstStyle/>
+          <a:p>
+            <a:r>
+              <a:t>Info:</a:t>
+            </a:r>
+          </a:p>
+          <a:p>
+            <a:pPr>
+              <a:defRPr sz="1200"/>
+            </a:pPr>
+            <a:r>
+              <a:t>Wanneer u klaar bent met het gebruik van een bestand, is het altijd een goede praktijk om het te sluiten.</a:t>
+            </a:r>
+            <a:br/>
+          </a:p>
+        </p:txBody>
+      </p:sp>
+    </p:spTree>
+  </p:cSld>
+  <p:clrMapOvr>
+    <a:masterClrMapping/>
+  </p:clrMapOvr>
+</p:sld>
+</file>
+
+<file path=ppt/slides/slide134.xml><?xml version="1.0" encoding="utf-8"?>
+<p:sld xmlns:a="http://schemas.openxmlformats.org/drawingml/2006/main" xmlns:p="http://schemas.openxmlformats.org/presentationml/2006/main" xmlns:r="http://schemas.openxmlformats.org/officeDocument/2006/relationships">
+  <p:cSld>
+    <p:spTree>
+      <p:nvGrpSpPr>
+        <p:cNvPr id="1" name=""/>
+        <p:cNvGrpSpPr/>
+        <p:nvPr/>
+      </p:nvGrpSpPr>
+      <p:grpSpPr/>
+      <p:sp>
+        <p:nvSpPr>
+          <p:cNvPr id="2" name="TextBox 1"/>
+          <p:cNvSpPr txBox="1"/>
+          <p:nvPr/>
+        </p:nvSpPr>
+        <p:spPr>
+          <a:xfrm>
+            <a:off x="914400" y="914400"/>
+            <a:ext cx="914400" cy="914400"/>
+          </a:xfrm>
+          <a:prstGeom prst="rect">
+            <a:avLst/>
+          </a:prstGeom>
+          <a:noFill/>
+        </p:spPr>
+        <p:txBody>
+          <a:bodyPr wrap="none">
+            <a:spAutoFit/>
+          </a:bodyPr>
+          <a:lstStyle/>
+          <a:p>
+            <a:r>
+              <a:t>Python Code: </a:t>
+            </a:r>
+          </a:p>
+          <a:p>
+            <a:pPr>
+              <a:defRPr sz="1200"/>
+            </a:pPr>
+            <a:r>
+              <a:t>``` my_file.close() ```</a:t>
+            </a:r>
+            <a:br/>
+          </a:p>
+        </p:txBody>
+      </p:sp>
+    </p:spTree>
+  </p:cSld>
+  <p:clrMapOvr>
+    <a:masterClrMapping/>
+  </p:clrMapOvr>
+</p:sld>
+</file>
+
+<file path=ppt/slides/slide135.xml><?xml version="1.0" encoding="utf-8"?>
+<p:sld xmlns:a="http://schemas.openxmlformats.org/drawingml/2006/main" xmlns:p="http://schemas.openxmlformats.org/presentationml/2006/main" xmlns:r="http://schemas.openxmlformats.org/officeDocument/2006/relationships">
+  <p:cSld>
+    <p:spTree>
+      <p:nvGrpSpPr>
+        <p:cNvPr id="1" name=""/>
+        <p:cNvGrpSpPr/>
+        <p:nvPr/>
+      </p:nvGrpSpPr>
+      <p:grpSpPr/>
+      <p:sp>
+        <p:nvSpPr>
+          <p:cNvPr id="2" name="TextBox 1"/>
+          <p:cNvSpPr txBox="1"/>
+          <p:nvPr/>
+        </p:nvSpPr>
+        <p:spPr>
+          <a:xfrm>
+            <a:off x="914400" y="914400"/>
+            <a:ext cx="914400" cy="914400"/>
+          </a:xfrm>
+          <a:prstGeom prst="rect">
+            <a:avLst/>
+          </a:prstGeom>
+          <a:noFill/>
+        </p:spPr>
+        <p:txBody>
+          <a:bodyPr wrap="none">
+            <a:spAutoFit/>
+          </a:bodyPr>
+          <a:lstStyle/>
+          <a:p>
+            <a:r>
+              <a:t>Info:</a:t>
+            </a:r>
+          </a:p>
+          <a:p>
+            <a:pPr>
+              <a:defRPr sz="1200"/>
+            </a:pPr>
+            <a:r>
+              <a:t>## Schrijven naar een bestand</a:t>
+            </a:r>
+            <a:br/>
+            <a:br/>
+            <a:r>
+              <a:t>Standaard staat de functie `open()` ons alleen toe om het bestand te lezen. We moeten het argument ''w'' doorgeven om over het bestand te schrijven. Bijvoorbeeld:</a:t>
+            </a:r>
+            <a:br/>
+          </a:p>
+        </p:txBody>
+      </p:sp>
+    </p:spTree>
+  </p:cSld>
+  <p:clrMapOvr>
+    <a:masterClrMapping/>
+  </p:clrMapOvr>
+</p:sld>
+</file>
+
+<file path=ppt/slides/slide136.xml><?xml version="1.0" encoding="utf-8"?>
+<p:sld xmlns:a="http://schemas.openxmlformats.org/drawingml/2006/main" xmlns:p="http://schemas.openxmlformats.org/presentationml/2006/main" xmlns:r="http://schemas.openxmlformats.org/officeDocument/2006/relationships">
+  <p:cSld>
+    <p:spTree>
+      <p:nvGrpSpPr>
+        <p:cNvPr id="1" name=""/>
+        <p:cNvGrpSpPr/>
+        <p:nvPr/>
+      </p:nvGrpSpPr>
+      <p:grpSpPr/>
+      <p:sp>
+        <p:nvSpPr>
+          <p:cNvPr id="2" name="TextBox 1"/>
+          <p:cNvSpPr txBox="1"/>
+          <p:nvPr/>
+        </p:nvSpPr>
+        <p:spPr>
+          <a:xfrm>
+            <a:off x="914400" y="914400"/>
+            <a:ext cx="914400" cy="914400"/>
+          </a:xfrm>
+          <a:prstGeom prst="rect">
+            <a:avLst/>
+          </a:prstGeom>
+          <a:noFill/>
+        </p:spPr>
+        <p:txBody>
+          <a:bodyPr wrap="none">
+            <a:spAutoFit/>
+          </a:bodyPr>
+          <a:lstStyle/>
+          <a:p>
+            <a:r>
+              <a:t>Python Code: </a:t>
+            </a:r>
+          </a:p>
+          <a:p>
+            <a:pPr>
+              <a:defRPr sz="1200"/>
+            </a:pPr>
+            <a:r>
+              <a:t>``` # Voeg een tweede argument toe aan de functie, 'w' wat staat voor schrijven.</a:t>
+            </a:r>
+            <a:br/>
+            <a:r>
+              <a:t> `````` # Door 'w+' door te geven, kunnen we het bestand lezen en erin schrijven</a:t>
+            </a:r>
+            <a:br/>
+            <a:r>
+              <a:t> `````` </a:t>
+            </a:r>
+            <a:br/>
+            <a:r>
+              <a:t> `````` my_file = open('test.txt','w+') ```</a:t>
+            </a:r>
+            <a:br/>
+          </a:p>
+        </p:txBody>
+      </p:sp>
+    </p:spTree>
+  </p:cSld>
+  <p:clrMapOvr>
+    <a:masterClrMapping/>
+  </p:clrMapOvr>
+</p:sld>
+</file>
+
+<file path=ppt/slides/slide137.xml><?xml version="1.0" encoding="utf-8"?>
+<p:sld xmlns:a="http://schemas.openxmlformats.org/drawingml/2006/main" xmlns:p="http://schemas.openxmlformats.org/presentationml/2006/main" xmlns:r="http://schemas.openxmlformats.org/officeDocument/2006/relationships">
+  <p:cSld>
+    <p:spTree>
+      <p:nvGrpSpPr>
+        <p:cNvPr id="1" name=""/>
+        <p:cNvGrpSpPr/>
+        <p:nvPr/>
+      </p:nvGrpSpPr>
+      <p:grpSpPr/>
+      <p:sp>
+        <p:nvSpPr>
+          <p:cNvPr id="2" name="TextBox 1"/>
+          <p:cNvSpPr txBox="1"/>
+          <p:nvPr/>
+        </p:nvSpPr>
+        <p:spPr>
+          <a:xfrm>
+            <a:off x="914400" y="914400"/>
+            <a:ext cx="914400" cy="914400"/>
+          </a:xfrm>
+          <a:prstGeom prst="rect">
+            <a:avLst/>
+          </a:prstGeom>
+          <a:noFill/>
+        </p:spPr>
+        <p:txBody>
+          <a:bodyPr wrap="none">
+            <a:spAutoFit/>
+          </a:bodyPr>
+          <a:lstStyle/>
+          <a:p>
+            <a:r>
+              <a:t>Info:</a:t>
+            </a:r>
+          </a:p>
+          <a:p>
+            <a:pPr>
+              <a:defRPr sz="1200"/>
+            </a:pPr>
+            <a:r>
+              <a:t>### &lt;strong&gt;&lt;font color='red'&gt;Wees voorzichtig!&lt;/font&gt;&lt;/strong&gt;</a:t>
+            </a:r>
+            <a:br/>
+            <a:r>
+              <a:t>Het openen van een bestand met `'w'` of `'w+'` kapt het origineel af, wat inhoudt dat alles wat in het originele bestand stond **wordt verwijderd**!</a:t>
+            </a:r>
+            <a:br/>
+          </a:p>
+        </p:txBody>
+      </p:sp>
+    </p:spTree>
+  </p:cSld>
+  <p:clrMapOvr>
+    <a:masterClrMapping/>
+  </p:clrMapOvr>
+</p:sld>
+</file>
+
+<file path=ppt/slides/slide138.xml><?xml version="1.0" encoding="utf-8"?>
+<p:sld xmlns:a="http://schemas.openxmlformats.org/drawingml/2006/main" xmlns:p="http://schemas.openxmlformats.org/presentationml/2006/main" xmlns:r="http://schemas.openxmlformats.org/officeDocument/2006/relationships">
+  <p:cSld>
+    <p:spTree>
+      <p:nvGrpSpPr>
+        <p:cNvPr id="1" name=""/>
+        <p:cNvGrpSpPr/>
+        <p:nvPr/>
+      </p:nvGrpSpPr>
+      <p:grpSpPr/>
+      <p:sp>
+        <p:nvSpPr>
+          <p:cNvPr id="2" name="TextBox 1"/>
+          <p:cNvSpPr txBox="1"/>
+          <p:nvPr/>
+        </p:nvSpPr>
+        <p:spPr>
+          <a:xfrm>
+            <a:off x="914400" y="914400"/>
+            <a:ext cx="914400" cy="914400"/>
+          </a:xfrm>
+          <a:prstGeom prst="rect">
+            <a:avLst/>
+          </a:prstGeom>
+          <a:noFill/>
+        </p:spPr>
+        <p:txBody>
+          <a:bodyPr wrap="none">
+            <a:spAutoFit/>
+          </a:bodyPr>
+          <a:lstStyle/>
+          <a:p>
+            <a:r>
+              <a:t>Python Code: </a:t>
+            </a:r>
+          </a:p>
+          <a:p>
+            <a:pPr>
+              <a:defRPr sz="1200"/>
+            </a:pPr>
+            <a:r>
+              <a:t>``` # Schrijf naar het bestand</a:t>
+            </a:r>
+            <a:br/>
+            <a:r>
+              <a:t> `````` my_file.write('This is a new line') ```</a:t>
+            </a:r>
+            <a:br/>
+          </a:p>
+        </p:txBody>
+      </p:sp>
+    </p:spTree>
+  </p:cSld>
+  <p:clrMapOvr>
+    <a:masterClrMapping/>
+  </p:clrMapOvr>
+</p:sld>
+</file>
+
+<file path=ppt/slides/slide139.xml><?xml version="1.0" encoding="utf-8"?>
+<p:sld xmlns:a="http://schemas.openxmlformats.org/drawingml/2006/main" xmlns:p="http://schemas.openxmlformats.org/presentationml/2006/main" xmlns:r="http://schemas.openxmlformats.org/officeDocument/2006/relationships">
+  <p:cSld>
+    <p:spTree>
+      <p:nvGrpSpPr>
+        <p:cNvPr id="1" name=""/>
+        <p:cNvGrpSpPr/>
+        <p:nvPr/>
+      </p:nvGrpSpPr>
+      <p:grpSpPr/>
+      <p:sp>
+        <p:nvSpPr>
+          <p:cNvPr id="2" name="TextBox 1"/>
+          <p:cNvSpPr txBox="1"/>
+          <p:nvPr/>
+        </p:nvSpPr>
+        <p:spPr>
+          <a:xfrm>
+            <a:off x="914400" y="914400"/>
+            <a:ext cx="914400" cy="914400"/>
+          </a:xfrm>
+          <a:prstGeom prst="rect">
+            <a:avLst/>
+          </a:prstGeom>
+          <a:noFill/>
+        </p:spPr>
+        <p:txBody>
+          <a:bodyPr wrap="none">
+            <a:spAutoFit/>
+          </a:bodyPr>
+          <a:lstStyle/>
+          <a:p>
+            <a:r>
+              <a:t>Python Code: </a:t>
+            </a:r>
+          </a:p>
+          <a:p>
+            <a:pPr>
+              <a:defRPr sz="1200"/>
+            </a:pPr>
+            <a:r>
+              <a:t>``` # Lees het bestand</a:t>
+            </a:r>
+            <a:br/>
+            <a:r>
+              <a:t> `````` my_file.seek(0)</a:t>
+            </a:r>
+            <a:br/>
+            <a:r>
+              <a:t> `````` my_file.read() ```</a:t>
+            </a:r>
+            <a:br/>
+          </a:p>
+        </p:txBody>
+      </p:sp>
+    </p:spTree>
+  </p:cSld>
+  <p:clrMapOvr>
+    <a:masterClrMapping/>
+  </p:clrMapOvr>
+</p:sld>
+</file>
+
 <file path=ppt/slides/slide14.xml><?xml version="1.0" encoding="utf-8"?>
 <p:sld xmlns:a="http://schemas.openxmlformats.org/drawingml/2006/main" xmlns:p="http://schemas.openxmlformats.org/presentationml/2006/main" xmlns:r="http://schemas.openxmlformats.org/officeDocument/2006/relationships">
   <p:cSld>
@@ -4700,6 +6180,601 @@
 </p:sld>
 </file>
 
+<file path=ppt/slides/slide140.xml><?xml version="1.0" encoding="utf-8"?>
+<p:sld xmlns:a="http://schemas.openxmlformats.org/drawingml/2006/main" xmlns:p="http://schemas.openxmlformats.org/presentationml/2006/main" xmlns:r="http://schemas.openxmlformats.org/officeDocument/2006/relationships">
+  <p:cSld>
+    <p:spTree>
+      <p:nvGrpSpPr>
+        <p:cNvPr id="1" name=""/>
+        <p:cNvGrpSpPr/>
+        <p:nvPr/>
+      </p:nvGrpSpPr>
+      <p:grpSpPr/>
+      <p:sp>
+        <p:nvSpPr>
+          <p:cNvPr id="2" name="TextBox 1"/>
+          <p:cNvSpPr txBox="1"/>
+          <p:nvPr/>
+        </p:nvSpPr>
+        <p:spPr>
+          <a:xfrm>
+            <a:off x="914400" y="914400"/>
+            <a:ext cx="914400" cy="914400"/>
+          </a:xfrm>
+          <a:prstGeom prst="rect">
+            <a:avLst/>
+          </a:prstGeom>
+          <a:noFill/>
+        </p:spPr>
+        <p:txBody>
+          <a:bodyPr wrap="none">
+            <a:spAutoFit/>
+          </a:bodyPr>
+          <a:lstStyle/>
+          <a:p>
+            <a:r>
+              <a:t>Python Code: </a:t>
+            </a:r>
+          </a:p>
+          <a:p>
+            <a:pPr>
+              <a:defRPr sz="1200"/>
+            </a:pPr>
+            <a:r>
+              <a:t>``` my_file.close()  # doe dit altijd als je klaar bent met een bestand ```</a:t>
+            </a:r>
+            <a:br/>
+          </a:p>
+        </p:txBody>
+      </p:sp>
+    </p:spTree>
+  </p:cSld>
+  <p:clrMapOvr>
+    <a:masterClrMapping/>
+  </p:clrMapOvr>
+</p:sld>
+</file>
+
+<file path=ppt/slides/slide141.xml><?xml version="1.0" encoding="utf-8"?>
+<p:sld xmlns:a="http://schemas.openxmlformats.org/drawingml/2006/main" xmlns:p="http://schemas.openxmlformats.org/presentationml/2006/main" xmlns:r="http://schemas.openxmlformats.org/officeDocument/2006/relationships">
+  <p:cSld>
+    <p:spTree>
+      <p:nvGrpSpPr>
+        <p:cNvPr id="1" name=""/>
+        <p:cNvGrpSpPr/>
+        <p:nvPr/>
+      </p:nvGrpSpPr>
+      <p:grpSpPr/>
+      <p:sp>
+        <p:nvSpPr>
+          <p:cNvPr id="2" name="TextBox 1"/>
+          <p:cNvSpPr txBox="1"/>
+          <p:nvPr/>
+        </p:nvSpPr>
+        <p:spPr>
+          <a:xfrm>
+            <a:off x="914400" y="914400"/>
+            <a:ext cx="914400" cy="914400"/>
+          </a:xfrm>
+          <a:prstGeom prst="rect">
+            <a:avLst/>
+          </a:prstGeom>
+          <a:noFill/>
+        </p:spPr>
+        <p:txBody>
+          <a:bodyPr wrap="none">
+            <a:spAutoFit/>
+          </a:bodyPr>
+          <a:lstStyle/>
+          <a:p>
+            <a:r>
+              <a:t>Info:</a:t>
+            </a:r>
+          </a:p>
+          <a:p>
+            <a:pPr>
+              <a:defRPr sz="1200"/>
+            </a:pPr>
+            <a:r>
+              <a:t>## Toevoegen aan een bestand</a:t>
+            </a:r>
+            <a:br/>
+            <a:r>
+              <a:t>Als u het argument ''a'' doorgeeft, wordt het bestand geopend en wordt de aanwijzer (pointer) aan het einde geplaatst, zodat alles wat is geschreven, wordt toegevoegd. Net zoals ''w+'', laat ''a+'' ons lezen en schrijven naar een bestand. Als het bestand niet bestaat, wordt er een gemaakt.</a:t>
+            </a:r>
+            <a:br/>
+          </a:p>
+        </p:txBody>
+      </p:sp>
+    </p:spTree>
+  </p:cSld>
+  <p:clrMapOvr>
+    <a:masterClrMapping/>
+  </p:clrMapOvr>
+</p:sld>
+</file>
+
+<file path=ppt/slides/slide142.xml><?xml version="1.0" encoding="utf-8"?>
+<p:sld xmlns:a="http://schemas.openxmlformats.org/drawingml/2006/main" xmlns:p="http://schemas.openxmlformats.org/presentationml/2006/main" xmlns:r="http://schemas.openxmlformats.org/officeDocument/2006/relationships">
+  <p:cSld>
+    <p:spTree>
+      <p:nvGrpSpPr>
+        <p:cNvPr id="1" name=""/>
+        <p:cNvGrpSpPr/>
+        <p:nvPr/>
+      </p:nvGrpSpPr>
+      <p:grpSpPr/>
+      <p:sp>
+        <p:nvSpPr>
+          <p:cNvPr id="2" name="TextBox 1"/>
+          <p:cNvSpPr txBox="1"/>
+          <p:nvPr/>
+        </p:nvSpPr>
+        <p:spPr>
+          <a:xfrm>
+            <a:off x="914400" y="914400"/>
+            <a:ext cx="914400" cy="914400"/>
+          </a:xfrm>
+          <a:prstGeom prst="rect">
+            <a:avLst/>
+          </a:prstGeom>
+          <a:noFill/>
+        </p:spPr>
+        <p:txBody>
+          <a:bodyPr wrap="none">
+            <a:spAutoFit/>
+          </a:bodyPr>
+          <a:lstStyle/>
+          <a:p>
+            <a:r>
+              <a:t>Python Code: </a:t>
+            </a:r>
+          </a:p>
+          <a:p>
+            <a:pPr>
+              <a:defRPr sz="1200"/>
+            </a:pPr>
+            <a:r>
+              <a:t>``` my_file = open('test.txt','a+')</a:t>
+            </a:r>
+            <a:br/>
+            <a:r>
+              <a:t> `````` my_file.write('\nThis is text being appended to test.txt')</a:t>
+            </a:r>
+            <a:br/>
+            <a:r>
+              <a:t> `````` my_file.write('\nAnd another line here.') ```</a:t>
+            </a:r>
+            <a:br/>
+          </a:p>
+        </p:txBody>
+      </p:sp>
+    </p:spTree>
+  </p:cSld>
+  <p:clrMapOvr>
+    <a:masterClrMapping/>
+  </p:clrMapOvr>
+</p:sld>
+</file>
+
+<file path=ppt/slides/slide143.xml><?xml version="1.0" encoding="utf-8"?>
+<p:sld xmlns:a="http://schemas.openxmlformats.org/drawingml/2006/main" xmlns:p="http://schemas.openxmlformats.org/presentationml/2006/main" xmlns:r="http://schemas.openxmlformats.org/officeDocument/2006/relationships">
+  <p:cSld>
+    <p:spTree>
+      <p:nvGrpSpPr>
+        <p:cNvPr id="1" name=""/>
+        <p:cNvGrpSpPr/>
+        <p:nvPr/>
+      </p:nvGrpSpPr>
+      <p:grpSpPr/>
+      <p:sp>
+        <p:nvSpPr>
+          <p:cNvPr id="2" name="TextBox 1"/>
+          <p:cNvSpPr txBox="1"/>
+          <p:nvPr/>
+        </p:nvSpPr>
+        <p:spPr>
+          <a:xfrm>
+            <a:off x="914400" y="914400"/>
+            <a:ext cx="914400" cy="914400"/>
+          </a:xfrm>
+          <a:prstGeom prst="rect">
+            <a:avLst/>
+          </a:prstGeom>
+          <a:noFill/>
+        </p:spPr>
+        <p:txBody>
+          <a:bodyPr wrap="none">
+            <a:spAutoFit/>
+          </a:bodyPr>
+          <a:lstStyle/>
+          <a:p>
+            <a:r>
+              <a:t>Python Code: </a:t>
+            </a:r>
+          </a:p>
+          <a:p>
+            <a:pPr>
+              <a:defRPr sz="1200"/>
+            </a:pPr>
+            <a:r>
+              <a:t>``` my_file.seek(0)</a:t>
+            </a:r>
+            <a:br/>
+            <a:r>
+              <a:t> `````` print(my_file.read()) ```</a:t>
+            </a:r>
+            <a:br/>
+          </a:p>
+        </p:txBody>
+      </p:sp>
+    </p:spTree>
+  </p:cSld>
+  <p:clrMapOvr>
+    <a:masterClrMapping/>
+  </p:clrMapOvr>
+</p:sld>
+</file>
+
+<file path=ppt/slides/slide144.xml><?xml version="1.0" encoding="utf-8"?>
+<p:sld xmlns:a="http://schemas.openxmlformats.org/drawingml/2006/main" xmlns:p="http://schemas.openxmlformats.org/presentationml/2006/main" xmlns:r="http://schemas.openxmlformats.org/officeDocument/2006/relationships">
+  <p:cSld>
+    <p:spTree>
+      <p:nvGrpSpPr>
+        <p:cNvPr id="1" name=""/>
+        <p:cNvGrpSpPr/>
+        <p:nvPr/>
+      </p:nvGrpSpPr>
+      <p:grpSpPr/>
+      <p:sp>
+        <p:nvSpPr>
+          <p:cNvPr id="2" name="TextBox 1"/>
+          <p:cNvSpPr txBox="1"/>
+          <p:nvPr/>
+        </p:nvSpPr>
+        <p:spPr>
+          <a:xfrm>
+            <a:off x="914400" y="914400"/>
+            <a:ext cx="914400" cy="914400"/>
+          </a:xfrm>
+          <a:prstGeom prst="rect">
+            <a:avLst/>
+          </a:prstGeom>
+          <a:noFill/>
+        </p:spPr>
+        <p:txBody>
+          <a:bodyPr wrap="none">
+            <a:spAutoFit/>
+          </a:bodyPr>
+          <a:lstStyle/>
+          <a:p>
+            <a:r>
+              <a:t>Python Code: </a:t>
+            </a:r>
+          </a:p>
+          <a:p>
+            <a:pPr>
+              <a:defRPr sz="1200"/>
+            </a:pPr>
+            <a:r>
+              <a:t>``` my_file.close() ```</a:t>
+            </a:r>
+            <a:br/>
+          </a:p>
+        </p:txBody>
+      </p:sp>
+    </p:spTree>
+  </p:cSld>
+  <p:clrMapOvr>
+    <a:masterClrMapping/>
+  </p:clrMapOvr>
+</p:sld>
+</file>
+
+<file path=ppt/slides/slide145.xml><?xml version="1.0" encoding="utf-8"?>
+<p:sld xmlns:a="http://schemas.openxmlformats.org/drawingml/2006/main" xmlns:p="http://schemas.openxmlformats.org/presentationml/2006/main" xmlns:r="http://schemas.openxmlformats.org/officeDocument/2006/relationships">
+  <p:cSld>
+    <p:spTree>
+      <p:nvGrpSpPr>
+        <p:cNvPr id="1" name=""/>
+        <p:cNvGrpSpPr/>
+        <p:nvPr/>
+      </p:nvGrpSpPr>
+      <p:grpSpPr/>
+      <p:sp>
+        <p:nvSpPr>
+          <p:cNvPr id="2" name="TextBox 1"/>
+          <p:cNvSpPr txBox="1"/>
+          <p:nvPr/>
+        </p:nvSpPr>
+        <p:spPr>
+          <a:xfrm>
+            <a:off x="914400" y="914400"/>
+            <a:ext cx="914400" cy="914400"/>
+          </a:xfrm>
+          <a:prstGeom prst="rect">
+            <a:avLst/>
+          </a:prstGeom>
+          <a:noFill/>
+        </p:spPr>
+        <p:txBody>
+          <a:bodyPr wrap="none">
+            <a:spAutoFit/>
+          </a:bodyPr>
+          <a:lstStyle/>
+          <a:p>
+            <a:r>
+              <a:t>Info:</a:t>
+            </a:r>
+          </a:p>
+          <a:p>
+            <a:pPr>
+              <a:defRPr sz="1200"/>
+            </a:pPr>
+            <a:r>
+              <a:t>### Toevoegen (Appending) met `%%writefile`</a:t>
+            </a:r>
+            <a:br/>
+            <a:r>
+              <a:t>We kunnen hetzelfde doen met behulp van IPython-celmagie:</a:t>
+            </a:r>
+            <a:br/>
+          </a:p>
+        </p:txBody>
+      </p:sp>
+    </p:spTree>
+  </p:cSld>
+  <p:clrMapOvr>
+    <a:masterClrMapping/>
+  </p:clrMapOvr>
+</p:sld>
+</file>
+
+<file path=ppt/slides/slide146.xml><?xml version="1.0" encoding="utf-8"?>
+<p:sld xmlns:a="http://schemas.openxmlformats.org/drawingml/2006/main" xmlns:p="http://schemas.openxmlformats.org/presentationml/2006/main" xmlns:r="http://schemas.openxmlformats.org/officeDocument/2006/relationships">
+  <p:cSld>
+    <p:spTree>
+      <p:nvGrpSpPr>
+        <p:cNvPr id="1" name=""/>
+        <p:cNvGrpSpPr/>
+        <p:nvPr/>
+      </p:nvGrpSpPr>
+      <p:grpSpPr/>
+      <p:sp>
+        <p:nvSpPr>
+          <p:cNvPr id="2" name="TextBox 1"/>
+          <p:cNvSpPr txBox="1"/>
+          <p:nvPr/>
+        </p:nvSpPr>
+        <p:spPr>
+          <a:xfrm>
+            <a:off x="914400" y="914400"/>
+            <a:ext cx="914400" cy="914400"/>
+          </a:xfrm>
+          <a:prstGeom prst="rect">
+            <a:avLst/>
+          </a:prstGeom>
+          <a:noFill/>
+        </p:spPr>
+        <p:txBody>
+          <a:bodyPr wrap="none">
+            <a:spAutoFit/>
+          </a:bodyPr>
+          <a:lstStyle/>
+          <a:p>
+            <a:r>
+              <a:t>Python Code: </a:t>
+            </a:r>
+          </a:p>
+          <a:p>
+            <a:pPr>
+              <a:defRPr sz="1200"/>
+            </a:pPr>
+            <a:r>
+              <a:t>``` %%writefile -a test.txt</a:t>
+            </a:r>
+            <a:br/>
+            <a:r>
+              <a:t> `````` </a:t>
+            </a:r>
+            <a:br/>
+            <a:r>
+              <a:t> `````` This is text being appended to test.txt</a:t>
+            </a:r>
+            <a:br/>
+            <a:r>
+              <a:t> `````` And another line here. ```</a:t>
+            </a:r>
+            <a:br/>
+          </a:p>
+        </p:txBody>
+      </p:sp>
+    </p:spTree>
+  </p:cSld>
+  <p:clrMapOvr>
+    <a:masterClrMapping/>
+  </p:clrMapOvr>
+</p:sld>
+</file>
+
+<file path=ppt/slides/slide147.xml><?xml version="1.0" encoding="utf-8"?>
+<p:sld xmlns:a="http://schemas.openxmlformats.org/drawingml/2006/main" xmlns:p="http://schemas.openxmlformats.org/presentationml/2006/main" xmlns:r="http://schemas.openxmlformats.org/officeDocument/2006/relationships">
+  <p:cSld>
+    <p:spTree>
+      <p:nvGrpSpPr>
+        <p:cNvPr id="1" name=""/>
+        <p:cNvGrpSpPr/>
+        <p:nvPr/>
+      </p:nvGrpSpPr>
+      <p:grpSpPr/>
+      <p:sp>
+        <p:nvSpPr>
+          <p:cNvPr id="2" name="TextBox 1"/>
+          <p:cNvSpPr txBox="1"/>
+          <p:nvPr/>
+        </p:nvSpPr>
+        <p:spPr>
+          <a:xfrm>
+            <a:off x="914400" y="914400"/>
+            <a:ext cx="914400" cy="914400"/>
+          </a:xfrm>
+          <a:prstGeom prst="rect">
+            <a:avLst/>
+          </a:prstGeom>
+          <a:noFill/>
+        </p:spPr>
+        <p:txBody>
+          <a:bodyPr wrap="none">
+            <a:spAutoFit/>
+          </a:bodyPr>
+          <a:lstStyle/>
+          <a:p>
+            <a:r>
+              <a:t>Info:</a:t>
+            </a:r>
+          </a:p>
+          <a:p>
+            <a:pPr>
+              <a:defRPr sz="1200"/>
+            </a:pPr>
+            <a:r>
+              <a:t>Voeg een spatie toe als u wilt dat de eerste regel op een eigen regel begint, aangezien Jupyter escape-reeksen zoals `\n` niet herkent</a:t>
+            </a:r>
+            <a:br/>
+          </a:p>
+        </p:txBody>
+      </p:sp>
+    </p:spTree>
+  </p:cSld>
+  <p:clrMapOvr>
+    <a:masterClrMapping/>
+  </p:clrMapOvr>
+</p:sld>
+</file>
+
+<file path=ppt/slides/slide148.xml><?xml version="1.0" encoding="utf-8"?>
+<p:sld xmlns:a="http://schemas.openxmlformats.org/drawingml/2006/main" xmlns:p="http://schemas.openxmlformats.org/presentationml/2006/main" xmlns:r="http://schemas.openxmlformats.org/officeDocument/2006/relationships">
+  <p:cSld>
+    <p:spTree>
+      <p:nvGrpSpPr>
+        <p:cNvPr id="1" name=""/>
+        <p:cNvGrpSpPr/>
+        <p:nvPr/>
+      </p:nvGrpSpPr>
+      <p:grpSpPr/>
+      <p:sp>
+        <p:nvSpPr>
+          <p:cNvPr id="2" name="TextBox 1"/>
+          <p:cNvSpPr txBox="1"/>
+          <p:nvPr/>
+        </p:nvSpPr>
+        <p:spPr>
+          <a:xfrm>
+            <a:off x="914400" y="914400"/>
+            <a:ext cx="914400" cy="914400"/>
+          </a:xfrm>
+          <a:prstGeom prst="rect">
+            <a:avLst/>
+          </a:prstGeom>
+          <a:noFill/>
+        </p:spPr>
+        <p:txBody>
+          <a:bodyPr wrap="none">
+            <a:spAutoFit/>
+          </a:bodyPr>
+          <a:lstStyle/>
+          <a:p>
+            <a:r>
+              <a:t>Info:</a:t>
+            </a:r>
+          </a:p>
+          <a:p>
+            <a:pPr>
+              <a:defRPr sz="1200"/>
+            </a:pPr>
+            <a:r>
+              <a:t>## Een bestand doorlopen</a:t>
+            </a:r>
+            <a:br/>
+            <a:br/>
+            <a:r>
+              <a:t>Laten we een snel voorbeeld van een for-lus krijgen door een tekstbestand te herhalen. Laten we eerst een nieuw tekstbestand maken met wat IPython Magic:</a:t>
+            </a:r>
+            <a:br/>
+          </a:p>
+        </p:txBody>
+      </p:sp>
+    </p:spTree>
+  </p:cSld>
+  <p:clrMapOvr>
+    <a:masterClrMapping/>
+  </p:clrMapOvr>
+</p:sld>
+</file>
+
+<file path=ppt/slides/slide149.xml><?xml version="1.0" encoding="utf-8"?>
+<p:sld xmlns:a="http://schemas.openxmlformats.org/drawingml/2006/main" xmlns:p="http://schemas.openxmlformats.org/presentationml/2006/main" xmlns:r="http://schemas.openxmlformats.org/officeDocument/2006/relationships">
+  <p:cSld>
+    <p:spTree>
+      <p:nvGrpSpPr>
+        <p:cNvPr id="1" name=""/>
+        <p:cNvGrpSpPr/>
+        <p:nvPr/>
+      </p:nvGrpSpPr>
+      <p:grpSpPr/>
+      <p:sp>
+        <p:nvSpPr>
+          <p:cNvPr id="2" name="TextBox 1"/>
+          <p:cNvSpPr txBox="1"/>
+          <p:nvPr/>
+        </p:nvSpPr>
+        <p:spPr>
+          <a:xfrm>
+            <a:off x="914400" y="914400"/>
+            <a:ext cx="914400" cy="914400"/>
+          </a:xfrm>
+          <a:prstGeom prst="rect">
+            <a:avLst/>
+          </a:prstGeom>
+          <a:noFill/>
+        </p:spPr>
+        <p:txBody>
+          <a:bodyPr wrap="none">
+            <a:spAutoFit/>
+          </a:bodyPr>
+          <a:lstStyle/>
+          <a:p>
+            <a:r>
+              <a:t>Python Code: </a:t>
+            </a:r>
+          </a:p>
+          <a:p>
+            <a:pPr>
+              <a:defRPr sz="1200"/>
+            </a:pPr>
+            <a:r>
+              <a:t>``` %%writefile test.txt</a:t>
+            </a:r>
+            <a:br/>
+            <a:r>
+              <a:t> `````` First Line</a:t>
+            </a:r>
+            <a:br/>
+            <a:r>
+              <a:t> `````` Second Line ```</a:t>
+            </a:r>
+            <a:br/>
+          </a:p>
+        </p:txBody>
+      </p:sp>
+    </p:spTree>
+  </p:cSld>
+  <p:clrMapOvr>
+    <a:masterClrMapping/>
+  </p:clrMapOvr>
+</p:sld>
+</file>
+
 <file path=ppt/slides/slide15.xml><?xml version="1.0" encoding="utf-8"?>
 <p:sld xmlns:a="http://schemas.openxmlformats.org/drawingml/2006/main" xmlns:p="http://schemas.openxmlformats.org/presentationml/2006/main" xmlns:r="http://schemas.openxmlformats.org/officeDocument/2006/relationships">
   <p:cSld>
@@ -4751,6 +6826,306 @@
             </a:r>
           </a:p>
           <a:p/>
+        </p:txBody>
+      </p:sp>
+    </p:spTree>
+  </p:cSld>
+  <p:clrMapOvr>
+    <a:masterClrMapping/>
+  </p:clrMapOvr>
+</p:sld>
+</file>
+
+<file path=ppt/slides/slide150.xml><?xml version="1.0" encoding="utf-8"?>
+<p:sld xmlns:a="http://schemas.openxmlformats.org/drawingml/2006/main" xmlns:p="http://schemas.openxmlformats.org/presentationml/2006/main" xmlns:r="http://schemas.openxmlformats.org/officeDocument/2006/relationships">
+  <p:cSld>
+    <p:spTree>
+      <p:nvGrpSpPr>
+        <p:cNvPr id="1" name=""/>
+        <p:cNvGrpSpPr/>
+        <p:nvPr/>
+      </p:nvGrpSpPr>
+      <p:grpSpPr/>
+      <p:sp>
+        <p:nvSpPr>
+          <p:cNvPr id="2" name="TextBox 1"/>
+          <p:cNvSpPr txBox="1"/>
+          <p:nvPr/>
+        </p:nvSpPr>
+        <p:spPr>
+          <a:xfrm>
+            <a:off x="914400" y="914400"/>
+            <a:ext cx="914400" cy="914400"/>
+          </a:xfrm>
+          <a:prstGeom prst="rect">
+            <a:avLst/>
+          </a:prstGeom>
+          <a:noFill/>
+        </p:spPr>
+        <p:txBody>
+          <a:bodyPr wrap="none">
+            <a:spAutoFit/>
+          </a:bodyPr>
+          <a:lstStyle/>
+          <a:p>
+            <a:r>
+              <a:t>Info:</a:t>
+            </a:r>
+          </a:p>
+          <a:p>
+            <a:pPr>
+              <a:defRPr sz="1200"/>
+            </a:pPr>
+            <a:r>
+              <a:t>Nu kunnen we een klein beetje flow (stroom) gebruiken om het programma door elke lijn van het bestand te vertellen en iets te doen:</a:t>
+            </a:r>
+            <a:br/>
+          </a:p>
+        </p:txBody>
+      </p:sp>
+    </p:spTree>
+  </p:cSld>
+  <p:clrMapOvr>
+    <a:masterClrMapping/>
+  </p:clrMapOvr>
+</p:sld>
+</file>
+
+<file path=ppt/slides/slide151.xml><?xml version="1.0" encoding="utf-8"?>
+<p:sld xmlns:a="http://schemas.openxmlformats.org/drawingml/2006/main" xmlns:p="http://schemas.openxmlformats.org/presentationml/2006/main" xmlns:r="http://schemas.openxmlformats.org/officeDocument/2006/relationships">
+  <p:cSld>
+    <p:spTree>
+      <p:nvGrpSpPr>
+        <p:cNvPr id="1" name=""/>
+        <p:cNvGrpSpPr/>
+        <p:nvPr/>
+      </p:nvGrpSpPr>
+      <p:grpSpPr/>
+      <p:sp>
+        <p:nvSpPr>
+          <p:cNvPr id="2" name="TextBox 1"/>
+          <p:cNvSpPr txBox="1"/>
+          <p:nvPr/>
+        </p:nvSpPr>
+        <p:spPr>
+          <a:xfrm>
+            <a:off x="914400" y="914400"/>
+            <a:ext cx="914400" cy="914400"/>
+          </a:xfrm>
+          <a:prstGeom prst="rect">
+            <a:avLst/>
+          </a:prstGeom>
+          <a:noFill/>
+        </p:spPr>
+        <p:txBody>
+          <a:bodyPr wrap="none">
+            <a:spAutoFit/>
+          </a:bodyPr>
+          <a:lstStyle/>
+          <a:p>
+            <a:r>
+              <a:t>Python Code: </a:t>
+            </a:r>
+          </a:p>
+          <a:p>
+            <a:pPr>
+              <a:defRPr sz="1200"/>
+            </a:pPr>
+            <a:r>
+              <a:t>``` for line in open('test.txt'):</a:t>
+            </a:r>
+            <a:br/>
+            <a:r>
+              <a:t> ``````     print(line) ```</a:t>
+            </a:r>
+            <a:br/>
+          </a:p>
+        </p:txBody>
+      </p:sp>
+    </p:spTree>
+  </p:cSld>
+  <p:clrMapOvr>
+    <a:masterClrMapping/>
+  </p:clrMapOvr>
+</p:sld>
+</file>
+
+<file path=ppt/slides/slide152.xml><?xml version="1.0" encoding="utf-8"?>
+<p:sld xmlns:a="http://schemas.openxmlformats.org/drawingml/2006/main" xmlns:p="http://schemas.openxmlformats.org/presentationml/2006/main" xmlns:r="http://schemas.openxmlformats.org/officeDocument/2006/relationships">
+  <p:cSld>
+    <p:spTree>
+      <p:nvGrpSpPr>
+        <p:cNvPr id="1" name=""/>
+        <p:cNvGrpSpPr/>
+        <p:nvPr/>
+      </p:nvGrpSpPr>
+      <p:grpSpPr/>
+      <p:sp>
+        <p:nvSpPr>
+          <p:cNvPr id="2" name="TextBox 1"/>
+          <p:cNvSpPr txBox="1"/>
+          <p:nvPr/>
+        </p:nvSpPr>
+        <p:spPr>
+          <a:xfrm>
+            <a:off x="914400" y="914400"/>
+            <a:ext cx="914400" cy="914400"/>
+          </a:xfrm>
+          <a:prstGeom prst="rect">
+            <a:avLst/>
+          </a:prstGeom>
+          <a:noFill/>
+        </p:spPr>
+        <p:txBody>
+          <a:bodyPr wrap="none">
+            <a:spAutoFit/>
+          </a:bodyPr>
+          <a:lstStyle/>
+          <a:p>
+            <a:r>
+              <a:t>Info:</a:t>
+            </a:r>
+          </a:p>
+          <a:p>
+            <a:pPr>
+              <a:defRPr sz="1200"/>
+            </a:pPr>
+            <a:r>
+              <a:t>Maak je geen zorgen dat je dit nog volledig begrijpt, want er komen binnenkort lussen aan. Maar we zullen afbreken wat we hierboven hebben gedaan. We zeiden dat voor elke regel in dit tekstbestand, ga je gang en druk die regel af. Het is belangrijk om hier een paar dingen op te merken:</a:t>
+            </a:r>
+            <a:br/>
+            <a:br/>
+            <a:r>
+              <a:t>1. We hadden het "line" -object alles kunnen noemen (zie voorbeeld hieronder).</a:t>
+            </a:r>
+            <a:br/>
+            <a:r>
+              <a:t>2. Door `.read()` niet aan te roepen op het bestand, werd het hele tekstbestand niet in het geheugen opgeslagen.</a:t>
+            </a:r>
+            <a:br/>
+            <a:r>
+              <a:t>3. Let op de inspringing (indent) op de tweede lijn om af te drukken. Deze spatie is vereist in Python.</a:t>
+            </a:r>
+            <a:br/>
+          </a:p>
+        </p:txBody>
+      </p:sp>
+    </p:spTree>
+  </p:cSld>
+  <p:clrMapOvr>
+    <a:masterClrMapping/>
+  </p:clrMapOvr>
+</p:sld>
+</file>
+
+<file path=ppt/slides/slide153.xml><?xml version="1.0" encoding="utf-8"?>
+<p:sld xmlns:a="http://schemas.openxmlformats.org/drawingml/2006/main" xmlns:p="http://schemas.openxmlformats.org/presentationml/2006/main" xmlns:r="http://schemas.openxmlformats.org/officeDocument/2006/relationships">
+  <p:cSld>
+    <p:spTree>
+      <p:nvGrpSpPr>
+        <p:cNvPr id="1" name=""/>
+        <p:cNvGrpSpPr/>
+        <p:nvPr/>
+      </p:nvGrpSpPr>
+      <p:grpSpPr/>
+      <p:sp>
+        <p:nvSpPr>
+          <p:cNvPr id="2" name="TextBox 1"/>
+          <p:cNvSpPr txBox="1"/>
+          <p:nvPr/>
+        </p:nvSpPr>
+        <p:spPr>
+          <a:xfrm>
+            <a:off x="914400" y="914400"/>
+            <a:ext cx="914400" cy="914400"/>
+          </a:xfrm>
+          <a:prstGeom prst="rect">
+            <a:avLst/>
+          </a:prstGeom>
+          <a:noFill/>
+        </p:spPr>
+        <p:txBody>
+          <a:bodyPr wrap="none">
+            <a:spAutoFit/>
+          </a:bodyPr>
+          <a:lstStyle/>
+          <a:p>
+            <a:r>
+              <a:t>Python Code: </a:t>
+            </a:r>
+          </a:p>
+          <a:p>
+            <a:pPr>
+              <a:defRPr sz="1200"/>
+            </a:pPr>
+            <a:r>
+              <a:t>``` # Met betrekking tot het eerste punt hierboven</a:t>
+            </a:r>
+            <a:br/>
+            <a:r>
+              <a:t> `````` for asdf in open('test.txt'):</a:t>
+            </a:r>
+            <a:br/>
+            <a:r>
+              <a:t> ``````     print(asdf) ```</a:t>
+            </a:r>
+            <a:br/>
+          </a:p>
+        </p:txBody>
+      </p:sp>
+    </p:spTree>
+  </p:cSld>
+  <p:clrMapOvr>
+    <a:masterClrMapping/>
+  </p:clrMapOvr>
+</p:sld>
+</file>
+
+<file path=ppt/slides/slide154.xml><?xml version="1.0" encoding="utf-8"?>
+<p:sld xmlns:a="http://schemas.openxmlformats.org/drawingml/2006/main" xmlns:p="http://schemas.openxmlformats.org/presentationml/2006/main" xmlns:r="http://schemas.openxmlformats.org/officeDocument/2006/relationships">
+  <p:cSld>
+    <p:spTree>
+      <p:nvGrpSpPr>
+        <p:cNvPr id="1" name=""/>
+        <p:cNvGrpSpPr/>
+        <p:nvPr/>
+      </p:nvGrpSpPr>
+      <p:grpSpPr/>
+      <p:sp>
+        <p:nvSpPr>
+          <p:cNvPr id="2" name="TextBox 1"/>
+          <p:cNvSpPr txBox="1"/>
+          <p:nvPr/>
+        </p:nvSpPr>
+        <p:spPr>
+          <a:xfrm>
+            <a:off x="914400" y="914400"/>
+            <a:ext cx="914400" cy="914400"/>
+          </a:xfrm>
+          <a:prstGeom prst="rect">
+            <a:avLst/>
+          </a:prstGeom>
+          <a:noFill/>
+        </p:spPr>
+        <p:txBody>
+          <a:bodyPr wrap="none">
+            <a:spAutoFit/>
+          </a:bodyPr>
+          <a:lstStyle/>
+          <a:p>
+            <a:r>
+              <a:t>Info:</a:t>
+            </a:r>
+          </a:p>
+          <a:p>
+            <a:pPr>
+              <a:defRPr sz="1200"/>
+            </a:pPr>
+            <a:r>
+              <a:t>We zullen hier later veel meer over leren, aangezien het meeste applicaties vereisten om bestanden-data te manipuleren.</a:t>
+            </a:r>
+            <a:br/>
+          </a:p>
         </p:txBody>
       </p:sp>
     </p:spTree>

--- a/Notebooks/Nederlands/02 - Objecten datastructuren en operatoren/10 - Files.pptx
+++ b/Notebooks/Nederlands/02 - Objecten datastructuren en operatoren/10 - Files.pptx
@@ -8,7 +8,7 @@
     <p:sldId id="256" r:id="rId2"/>
     <p:sldId id="257" r:id="rId3"/>
   </p:sldIdLst>
-  <p:sldSz cx="9144000" cy="5143500" type="screen16x9"/>
+  <p:sldSz cx="9144000" cy="6858000" type="screen4x3"/>
   <p:notesSz cx="6858000" cy="9144000"/>
   <p:defaultTextStyle>
     <a:defPPr>
@@ -108,12 +108,12 @@
   <p:extLst>
     <p:ext uri="{EFAFB233-063F-42B5-8137-9DF3F51BA10A}">
       <p15:sldGuideLst xmlns:p15="http://schemas.microsoft.com/office/powerpoint/2012/main">
-        <p15:guide id="1" orient="horz" pos="1620" userDrawn="1">
+        <p15:guide id="1" orient="horz" pos="2160">
           <p15:clr>
             <a:srgbClr val="A4A3A4"/>
           </p15:clr>
         </p15:guide>
-        <p15:guide id="2" pos="2880" userDrawn="1">
+        <p15:guide id="2" pos="2880">
           <p15:clr>
             <a:srgbClr val="A4A3A4"/>
           </p15:clr>
@@ -153,8 +153,8 @@
         </p:nvSpPr>
         <p:spPr>
           <a:xfrm>
-            <a:off x="685800" y="1597819"/>
-            <a:ext cx="7772400" cy="1102519"/>
+            <a:off x="685800" y="2130425"/>
+            <a:ext cx="7772400" cy="1470025"/>
           </a:xfrm>
         </p:spPr>
         <p:txBody>
@@ -162,9 +162,10 @@
           <a:lstStyle/>
           <a:p>
             <a:r>
-              <a:rPr lang="en-US"/>
+              <a:rPr lang="en-US" smtClean="0"/>
               <a:t>Click to edit Master title style</a:t>
             </a:r>
+            <a:endParaRPr lang="en-US"/>
           </a:p>
         </p:txBody>
       </p:sp>
@@ -180,8 +181,8 @@
         </p:nvSpPr>
         <p:spPr>
           <a:xfrm>
-            <a:off x="1371600" y="2914650"/>
-            <a:ext cx="6400800" cy="1314450"/>
+            <a:off x="1371600" y="3886200"/>
+            <a:ext cx="6400800" cy="1752600"/>
           </a:xfrm>
         </p:spPr>
         <p:txBody>
@@ -197,7 +198,7 @@
                 </a:solidFill>
               </a:defRPr>
             </a:lvl1pPr>
-            <a:lvl2pPr marL="342900" indent="0" algn="ctr">
+            <a:lvl2pPr marL="457200" indent="0" algn="ctr">
               <a:buNone/>
               <a:defRPr>
                 <a:solidFill>
@@ -207,7 +208,7 @@
                 </a:solidFill>
               </a:defRPr>
             </a:lvl2pPr>
-            <a:lvl3pPr marL="685800" indent="0" algn="ctr">
+            <a:lvl3pPr marL="914400" indent="0" algn="ctr">
               <a:buNone/>
               <a:defRPr>
                 <a:solidFill>
@@ -217,7 +218,7 @@
                 </a:solidFill>
               </a:defRPr>
             </a:lvl3pPr>
-            <a:lvl4pPr marL="1028700" indent="0" algn="ctr">
+            <a:lvl4pPr marL="1371600" indent="0" algn="ctr">
               <a:buNone/>
               <a:defRPr>
                 <a:solidFill>
@@ -227,7 +228,7 @@
                 </a:solidFill>
               </a:defRPr>
             </a:lvl4pPr>
-            <a:lvl5pPr marL="1371600" indent="0" algn="ctr">
+            <a:lvl5pPr marL="1828800" indent="0" algn="ctr">
               <a:buNone/>
               <a:defRPr>
                 <a:solidFill>
@@ -237,7 +238,7 @@
                 </a:solidFill>
               </a:defRPr>
             </a:lvl5pPr>
-            <a:lvl6pPr marL="1714500" indent="0" algn="ctr">
+            <a:lvl6pPr marL="2286000" indent="0" algn="ctr">
               <a:buNone/>
               <a:defRPr>
                 <a:solidFill>
@@ -247,7 +248,7 @@
                 </a:solidFill>
               </a:defRPr>
             </a:lvl6pPr>
-            <a:lvl7pPr marL="2057400" indent="0" algn="ctr">
+            <a:lvl7pPr marL="2743200" indent="0" algn="ctr">
               <a:buNone/>
               <a:defRPr>
                 <a:solidFill>
@@ -257,7 +258,7 @@
                 </a:solidFill>
               </a:defRPr>
             </a:lvl7pPr>
-            <a:lvl8pPr marL="2400300" indent="0" algn="ctr">
+            <a:lvl8pPr marL="3200400" indent="0" algn="ctr">
               <a:buNone/>
               <a:defRPr>
                 <a:solidFill>
@@ -267,7 +268,7 @@
                 </a:solidFill>
               </a:defRPr>
             </a:lvl8pPr>
-            <a:lvl9pPr marL="2743200" indent="0" algn="ctr">
+            <a:lvl9pPr marL="3657600" indent="0" algn="ctr">
               <a:buNone/>
               <a:defRPr>
                 <a:solidFill>
@@ -280,9 +281,10 @@
           </a:lstStyle>
           <a:p>
             <a:r>
-              <a:rPr lang="en-US"/>
+              <a:rPr lang="en-US" smtClean="0"/>
               <a:t>Click to edit Master subtitle style</a:t>
             </a:r>
+            <a:endParaRPr lang="en-US"/>
           </a:p>
         </p:txBody>
       </p:sp>
@@ -303,7 +305,7 @@
           <a:p>
             <a:fld id="{241EB5C9-1307-BA42-ABA2-0BC069CD8E7F}" type="datetimeFigureOut">
               <a:rPr lang="en-US" smtClean="0"/>
-              <a:t>1/2/22</a:t>
+              <a:t>4/5/2019</a:t>
             </a:fld>
             <a:endParaRPr lang="en-US"/>
           </a:p>
@@ -397,9 +399,10 @@
           <a:lstStyle/>
           <a:p>
             <a:r>
-              <a:rPr lang="en-US"/>
+              <a:rPr lang="en-US" smtClean="0"/>
               <a:t>Click to edit Master title style</a:t>
             </a:r>
+            <a:endParaRPr lang="en-US"/>
           </a:p>
         </p:txBody>
       </p:sp>
@@ -420,37 +423,38 @@
           <a:p>
             <a:pPr lvl="0"/>
             <a:r>
-              <a:rPr lang="en-US"/>
+              <a:rPr lang="en-US" smtClean="0"/>
               <a:t>Click to edit Master text styles</a:t>
             </a:r>
           </a:p>
           <a:p>
             <a:pPr lvl="1"/>
             <a:r>
-              <a:rPr lang="en-US"/>
+              <a:rPr lang="en-US" smtClean="0"/>
               <a:t>Second level</a:t>
             </a:r>
           </a:p>
           <a:p>
             <a:pPr lvl="2"/>
             <a:r>
-              <a:rPr lang="en-US"/>
+              <a:rPr lang="en-US" smtClean="0"/>
               <a:t>Third level</a:t>
             </a:r>
           </a:p>
           <a:p>
             <a:pPr lvl="3"/>
             <a:r>
-              <a:rPr lang="en-US"/>
+              <a:rPr lang="en-US" smtClean="0"/>
               <a:t>Fourth level</a:t>
             </a:r>
           </a:p>
           <a:p>
             <a:pPr lvl="4"/>
             <a:r>
-              <a:rPr lang="en-US"/>
+              <a:rPr lang="en-US" smtClean="0"/>
               <a:t>Fifth level</a:t>
             </a:r>
+            <a:endParaRPr lang="en-US"/>
           </a:p>
         </p:txBody>
       </p:sp>
@@ -471,7 +475,7 @@
           <a:p>
             <a:fld id="{241EB5C9-1307-BA42-ABA2-0BC069CD8E7F}" type="datetimeFigureOut">
               <a:rPr lang="en-US" smtClean="0"/>
-              <a:t>1/2/22</a:t>
+              <a:t>4/5/2019</a:t>
             </a:fld>
             <a:endParaRPr lang="en-US"/>
           </a:p>
@@ -561,8 +565,8 @@
         </p:nvSpPr>
         <p:spPr>
           <a:xfrm>
-            <a:off x="6629400" y="205979"/>
-            <a:ext cx="2057400" cy="4388644"/>
+            <a:off x="6629400" y="274638"/>
+            <a:ext cx="2057400" cy="5851525"/>
           </a:xfrm>
         </p:spPr>
         <p:txBody>
@@ -570,9 +574,10 @@
           <a:lstStyle/>
           <a:p>
             <a:r>
-              <a:rPr lang="en-US"/>
+              <a:rPr lang="en-US" smtClean="0"/>
               <a:t>Click to edit Master title style</a:t>
             </a:r>
+            <a:endParaRPr lang="en-US"/>
           </a:p>
         </p:txBody>
       </p:sp>
@@ -588,8 +593,8 @@
         </p:nvSpPr>
         <p:spPr>
           <a:xfrm>
-            <a:off x="457200" y="205979"/>
-            <a:ext cx="6019800" cy="4388644"/>
+            <a:off x="457200" y="274638"/>
+            <a:ext cx="6019800" cy="5851525"/>
           </a:xfrm>
         </p:spPr>
         <p:txBody>
@@ -598,37 +603,38 @@
           <a:p>
             <a:pPr lvl="0"/>
             <a:r>
-              <a:rPr lang="en-US"/>
+              <a:rPr lang="en-US" smtClean="0"/>
               <a:t>Click to edit Master text styles</a:t>
             </a:r>
           </a:p>
           <a:p>
             <a:pPr lvl="1"/>
             <a:r>
-              <a:rPr lang="en-US"/>
+              <a:rPr lang="en-US" smtClean="0"/>
               <a:t>Second level</a:t>
             </a:r>
           </a:p>
           <a:p>
             <a:pPr lvl="2"/>
             <a:r>
-              <a:rPr lang="en-US"/>
+              <a:rPr lang="en-US" smtClean="0"/>
               <a:t>Third level</a:t>
             </a:r>
           </a:p>
           <a:p>
             <a:pPr lvl="3"/>
             <a:r>
-              <a:rPr lang="en-US"/>
+              <a:rPr lang="en-US" smtClean="0"/>
               <a:t>Fourth level</a:t>
             </a:r>
           </a:p>
           <a:p>
             <a:pPr lvl="4"/>
             <a:r>
-              <a:rPr lang="en-US"/>
+              <a:rPr lang="en-US" smtClean="0"/>
               <a:t>Fifth level</a:t>
             </a:r>
+            <a:endParaRPr lang="en-US"/>
           </a:p>
         </p:txBody>
       </p:sp>
@@ -649,7 +655,7 @@
           <a:p>
             <a:fld id="{241EB5C9-1307-BA42-ABA2-0BC069CD8E7F}" type="datetimeFigureOut">
               <a:rPr lang="en-US" smtClean="0"/>
-              <a:t>1/2/22</a:t>
+              <a:t>4/5/2019</a:t>
             </a:fld>
             <a:endParaRPr lang="en-US"/>
           </a:p>
@@ -743,9 +749,10 @@
           <a:lstStyle/>
           <a:p>
             <a:r>
-              <a:rPr lang="en-US"/>
+              <a:rPr lang="en-US" smtClean="0"/>
               <a:t>Click to edit Master title style</a:t>
             </a:r>
+            <a:endParaRPr lang="en-US"/>
           </a:p>
         </p:txBody>
       </p:sp>
@@ -766,37 +773,38 @@
           <a:p>
             <a:pPr lvl="0"/>
             <a:r>
-              <a:rPr lang="en-US"/>
+              <a:rPr lang="en-US" smtClean="0"/>
               <a:t>Click to edit Master text styles</a:t>
             </a:r>
           </a:p>
           <a:p>
             <a:pPr lvl="1"/>
             <a:r>
-              <a:rPr lang="en-US"/>
+              <a:rPr lang="en-US" smtClean="0"/>
               <a:t>Second level</a:t>
             </a:r>
           </a:p>
           <a:p>
             <a:pPr lvl="2"/>
             <a:r>
-              <a:rPr lang="en-US"/>
+              <a:rPr lang="en-US" smtClean="0"/>
               <a:t>Third level</a:t>
             </a:r>
           </a:p>
           <a:p>
             <a:pPr lvl="3"/>
             <a:r>
-              <a:rPr lang="en-US"/>
+              <a:rPr lang="en-US" smtClean="0"/>
               <a:t>Fourth level</a:t>
             </a:r>
           </a:p>
           <a:p>
             <a:pPr lvl="4"/>
             <a:r>
-              <a:rPr lang="en-US"/>
+              <a:rPr lang="en-US" smtClean="0"/>
               <a:t>Fifth level</a:t>
             </a:r>
+            <a:endParaRPr lang="en-US"/>
           </a:p>
         </p:txBody>
       </p:sp>
@@ -817,7 +825,7 @@
           <a:p>
             <a:fld id="{241EB5C9-1307-BA42-ABA2-0BC069CD8E7F}" type="datetimeFigureOut">
               <a:rPr lang="en-US" smtClean="0"/>
-              <a:t>1/2/22</a:t>
+              <a:t>4/5/2019</a:t>
             </a:fld>
             <a:endParaRPr lang="en-US"/>
           </a:p>
@@ -907,22 +915,23 @@
         </p:nvSpPr>
         <p:spPr>
           <a:xfrm>
-            <a:off x="722313" y="3305176"/>
-            <a:ext cx="7772400" cy="1021556"/>
+            <a:off x="722313" y="4406900"/>
+            <a:ext cx="7772400" cy="1362075"/>
           </a:xfrm>
         </p:spPr>
         <p:txBody>
           <a:bodyPr anchor="t"/>
           <a:lstStyle>
             <a:lvl1pPr algn="l">
-              <a:defRPr sz="3000" b="1" cap="all"/>
+              <a:defRPr sz="4000" b="1" cap="all"/>
             </a:lvl1pPr>
           </a:lstStyle>
           <a:p>
             <a:r>
-              <a:rPr lang="en-US"/>
+              <a:rPr lang="en-US" smtClean="0"/>
               <a:t>Click to edit Master title style</a:t>
             </a:r>
+            <a:endParaRPr lang="en-US"/>
           </a:p>
         </p:txBody>
       </p:sp>
@@ -938,8 +947,8 @@
         </p:nvSpPr>
         <p:spPr>
           <a:xfrm>
-            <a:off x="722313" y="2180035"/>
-            <a:ext cx="7772400" cy="1125140"/>
+            <a:off x="722313" y="2906713"/>
+            <a:ext cx="7772400" cy="1500187"/>
           </a:xfrm>
         </p:spPr>
         <p:txBody>
@@ -947,7 +956,7 @@
           <a:lstStyle>
             <a:lvl1pPr marL="0" indent="0">
               <a:buNone/>
-              <a:defRPr sz="1500">
+              <a:defRPr sz="2000">
                 <a:solidFill>
                   <a:schemeClr val="tx1">
                     <a:tint val="75000"/>
@@ -955,9 +964,9 @@
                 </a:solidFill>
               </a:defRPr>
             </a:lvl1pPr>
-            <a:lvl2pPr marL="342900" indent="0">
-              <a:buNone/>
-              <a:defRPr sz="1350">
+            <a:lvl2pPr marL="457200" indent="0">
+              <a:buNone/>
+              <a:defRPr sz="1800">
                 <a:solidFill>
                   <a:schemeClr val="tx1">
                     <a:tint val="75000"/>
@@ -965,9 +974,9 @@
                 </a:solidFill>
               </a:defRPr>
             </a:lvl2pPr>
-            <a:lvl3pPr marL="685800" indent="0">
-              <a:buNone/>
-              <a:defRPr sz="1200">
+            <a:lvl3pPr marL="914400" indent="0">
+              <a:buNone/>
+              <a:defRPr sz="1600">
                 <a:solidFill>
                   <a:schemeClr val="tx1">
                     <a:tint val="75000"/>
@@ -975,9 +984,9 @@
                 </a:solidFill>
               </a:defRPr>
             </a:lvl3pPr>
-            <a:lvl4pPr marL="1028700" indent="0">
-              <a:buNone/>
-              <a:defRPr sz="1050">
+            <a:lvl4pPr marL="1371600" indent="0">
+              <a:buNone/>
+              <a:defRPr sz="1400">
                 <a:solidFill>
                   <a:schemeClr val="tx1">
                     <a:tint val="75000"/>
@@ -985,9 +994,9 @@
                 </a:solidFill>
               </a:defRPr>
             </a:lvl4pPr>
-            <a:lvl5pPr marL="1371600" indent="0">
-              <a:buNone/>
-              <a:defRPr sz="1050">
+            <a:lvl5pPr marL="1828800" indent="0">
+              <a:buNone/>
+              <a:defRPr sz="1400">
                 <a:solidFill>
                   <a:schemeClr val="tx1">
                     <a:tint val="75000"/>
@@ -995,9 +1004,9 @@
                 </a:solidFill>
               </a:defRPr>
             </a:lvl5pPr>
-            <a:lvl6pPr marL="1714500" indent="0">
-              <a:buNone/>
-              <a:defRPr sz="1050">
+            <a:lvl6pPr marL="2286000" indent="0">
+              <a:buNone/>
+              <a:defRPr sz="1400">
                 <a:solidFill>
                   <a:schemeClr val="tx1">
                     <a:tint val="75000"/>
@@ -1005,9 +1014,9 @@
                 </a:solidFill>
               </a:defRPr>
             </a:lvl6pPr>
-            <a:lvl7pPr marL="2057400" indent="0">
-              <a:buNone/>
-              <a:defRPr sz="1050">
+            <a:lvl7pPr marL="2743200" indent="0">
+              <a:buNone/>
+              <a:defRPr sz="1400">
                 <a:solidFill>
                   <a:schemeClr val="tx1">
                     <a:tint val="75000"/>
@@ -1015,9 +1024,9 @@
                 </a:solidFill>
               </a:defRPr>
             </a:lvl7pPr>
-            <a:lvl8pPr marL="2400300" indent="0">
-              <a:buNone/>
-              <a:defRPr sz="1050">
+            <a:lvl8pPr marL="3200400" indent="0">
+              <a:buNone/>
+              <a:defRPr sz="1400">
                 <a:solidFill>
                   <a:schemeClr val="tx1">
                     <a:tint val="75000"/>
@@ -1025,9 +1034,9 @@
                 </a:solidFill>
               </a:defRPr>
             </a:lvl8pPr>
-            <a:lvl9pPr marL="2743200" indent="0">
-              <a:buNone/>
-              <a:defRPr sz="1050">
+            <a:lvl9pPr marL="3657600" indent="0">
+              <a:buNone/>
+              <a:defRPr sz="1400">
                 <a:solidFill>
                   <a:schemeClr val="tx1">
                     <a:tint val="75000"/>
@@ -1039,7 +1048,7 @@
           <a:p>
             <a:pPr lvl="0"/>
             <a:r>
-              <a:rPr lang="en-US"/>
+              <a:rPr lang="en-US" smtClean="0"/>
               <a:t>Click to edit Master text styles</a:t>
             </a:r>
           </a:p>
@@ -1062,7 +1071,7 @@
           <a:p>
             <a:fld id="{241EB5C9-1307-BA42-ABA2-0BC069CD8E7F}" type="datetimeFigureOut">
               <a:rPr lang="en-US" smtClean="0"/>
-              <a:t>1/2/22</a:t>
+              <a:t>4/5/2019</a:t>
             </a:fld>
             <a:endParaRPr lang="en-US"/>
           </a:p>
@@ -1156,9 +1165,10 @@
           <a:lstStyle/>
           <a:p>
             <a:r>
-              <a:rPr lang="en-US"/>
+              <a:rPr lang="en-US" smtClean="0"/>
               <a:t>Click to edit Master title style</a:t>
             </a:r>
+            <a:endParaRPr lang="en-US"/>
           </a:p>
         </p:txBody>
       </p:sp>
@@ -1174,75 +1184,76 @@
         </p:nvSpPr>
         <p:spPr>
           <a:xfrm>
-            <a:off x="457200" y="1200151"/>
-            <a:ext cx="4038600" cy="3394472"/>
+            <a:off x="457200" y="1600200"/>
+            <a:ext cx="4038600" cy="4525963"/>
           </a:xfrm>
         </p:spPr>
         <p:txBody>
           <a:bodyPr/>
           <a:lstStyle>
             <a:lvl1pPr>
-              <a:defRPr sz="2100"/>
+              <a:defRPr sz="2800"/>
             </a:lvl1pPr>
             <a:lvl2pPr>
-              <a:defRPr sz="1800"/>
+              <a:defRPr sz="2400"/>
             </a:lvl2pPr>
             <a:lvl3pPr>
-              <a:defRPr sz="1500"/>
+              <a:defRPr sz="2000"/>
             </a:lvl3pPr>
             <a:lvl4pPr>
-              <a:defRPr sz="1350"/>
+              <a:defRPr sz="1800"/>
             </a:lvl4pPr>
             <a:lvl5pPr>
-              <a:defRPr sz="1350"/>
+              <a:defRPr sz="1800"/>
             </a:lvl5pPr>
             <a:lvl6pPr>
-              <a:defRPr sz="1350"/>
+              <a:defRPr sz="1800"/>
             </a:lvl6pPr>
             <a:lvl7pPr>
-              <a:defRPr sz="1350"/>
+              <a:defRPr sz="1800"/>
             </a:lvl7pPr>
             <a:lvl8pPr>
-              <a:defRPr sz="1350"/>
+              <a:defRPr sz="1800"/>
             </a:lvl8pPr>
             <a:lvl9pPr>
-              <a:defRPr sz="1350"/>
+              <a:defRPr sz="1800"/>
             </a:lvl9pPr>
           </a:lstStyle>
           <a:p>
             <a:pPr lvl="0"/>
             <a:r>
-              <a:rPr lang="en-US"/>
+              <a:rPr lang="en-US" smtClean="0"/>
               <a:t>Click to edit Master text styles</a:t>
             </a:r>
           </a:p>
           <a:p>
             <a:pPr lvl="1"/>
             <a:r>
-              <a:rPr lang="en-US"/>
+              <a:rPr lang="en-US" smtClean="0"/>
               <a:t>Second level</a:t>
             </a:r>
           </a:p>
           <a:p>
             <a:pPr lvl="2"/>
             <a:r>
-              <a:rPr lang="en-US"/>
+              <a:rPr lang="en-US" smtClean="0"/>
               <a:t>Third level</a:t>
             </a:r>
           </a:p>
           <a:p>
             <a:pPr lvl="3"/>
             <a:r>
-              <a:rPr lang="en-US"/>
+              <a:rPr lang="en-US" smtClean="0"/>
               <a:t>Fourth level</a:t>
             </a:r>
           </a:p>
           <a:p>
             <a:pPr lvl="4"/>
             <a:r>
-              <a:rPr lang="en-US"/>
+              <a:rPr lang="en-US" smtClean="0"/>
               <a:t>Fifth level</a:t>
             </a:r>
+            <a:endParaRPr lang="en-US"/>
           </a:p>
         </p:txBody>
       </p:sp>
@@ -1258,75 +1269,76 @@
         </p:nvSpPr>
         <p:spPr>
           <a:xfrm>
-            <a:off x="4648200" y="1200151"/>
-            <a:ext cx="4038600" cy="3394472"/>
+            <a:off x="4648200" y="1600200"/>
+            <a:ext cx="4038600" cy="4525963"/>
           </a:xfrm>
         </p:spPr>
         <p:txBody>
           <a:bodyPr/>
           <a:lstStyle>
             <a:lvl1pPr>
-              <a:defRPr sz="2100"/>
+              <a:defRPr sz="2800"/>
             </a:lvl1pPr>
             <a:lvl2pPr>
-              <a:defRPr sz="1800"/>
+              <a:defRPr sz="2400"/>
             </a:lvl2pPr>
             <a:lvl3pPr>
-              <a:defRPr sz="1500"/>
+              <a:defRPr sz="2000"/>
             </a:lvl3pPr>
             <a:lvl4pPr>
-              <a:defRPr sz="1350"/>
+              <a:defRPr sz="1800"/>
             </a:lvl4pPr>
             <a:lvl5pPr>
-              <a:defRPr sz="1350"/>
+              <a:defRPr sz="1800"/>
             </a:lvl5pPr>
             <a:lvl6pPr>
-              <a:defRPr sz="1350"/>
+              <a:defRPr sz="1800"/>
             </a:lvl6pPr>
             <a:lvl7pPr>
-              <a:defRPr sz="1350"/>
+              <a:defRPr sz="1800"/>
             </a:lvl7pPr>
             <a:lvl8pPr>
-              <a:defRPr sz="1350"/>
+              <a:defRPr sz="1800"/>
             </a:lvl8pPr>
             <a:lvl9pPr>
-              <a:defRPr sz="1350"/>
+              <a:defRPr sz="1800"/>
             </a:lvl9pPr>
           </a:lstStyle>
           <a:p>
             <a:pPr lvl="0"/>
             <a:r>
-              <a:rPr lang="en-US"/>
+              <a:rPr lang="en-US" smtClean="0"/>
               <a:t>Click to edit Master text styles</a:t>
             </a:r>
           </a:p>
           <a:p>
             <a:pPr lvl="1"/>
             <a:r>
-              <a:rPr lang="en-US"/>
+              <a:rPr lang="en-US" smtClean="0"/>
               <a:t>Second level</a:t>
             </a:r>
           </a:p>
           <a:p>
             <a:pPr lvl="2"/>
             <a:r>
-              <a:rPr lang="en-US"/>
+              <a:rPr lang="en-US" smtClean="0"/>
               <a:t>Third level</a:t>
             </a:r>
           </a:p>
           <a:p>
             <a:pPr lvl="3"/>
             <a:r>
-              <a:rPr lang="en-US"/>
+              <a:rPr lang="en-US" smtClean="0"/>
               <a:t>Fourth level</a:t>
             </a:r>
           </a:p>
           <a:p>
             <a:pPr lvl="4"/>
             <a:r>
-              <a:rPr lang="en-US"/>
+              <a:rPr lang="en-US" smtClean="0"/>
               <a:t>Fifth level</a:t>
             </a:r>
+            <a:endParaRPr lang="en-US"/>
           </a:p>
         </p:txBody>
       </p:sp>
@@ -1347,7 +1359,7 @@
           <a:p>
             <a:fld id="{241EB5C9-1307-BA42-ABA2-0BC069CD8E7F}" type="datetimeFigureOut">
               <a:rPr lang="en-US" smtClean="0"/>
-              <a:t>1/2/22</a:t>
+              <a:t>4/5/2019</a:t>
             </a:fld>
             <a:endParaRPr lang="en-US"/>
           </a:p>
@@ -1445,9 +1457,10 @@
           </a:lstStyle>
           <a:p>
             <a:r>
-              <a:rPr lang="en-US"/>
+              <a:rPr lang="en-US" smtClean="0"/>
               <a:t>Click to edit Master title style</a:t>
             </a:r>
+            <a:endParaRPr lang="en-US"/>
           </a:p>
         </p:txBody>
       </p:sp>
@@ -1463,8 +1476,8 @@
         </p:nvSpPr>
         <p:spPr>
           <a:xfrm>
-            <a:off x="457200" y="1151335"/>
-            <a:ext cx="4040188" cy="479822"/>
+            <a:off x="457200" y="1535113"/>
+            <a:ext cx="4040188" cy="639762"/>
           </a:xfrm>
         </p:spPr>
         <p:txBody>
@@ -1472,45 +1485,45 @@
           <a:lstStyle>
             <a:lvl1pPr marL="0" indent="0">
               <a:buNone/>
+              <a:defRPr sz="2400" b="1"/>
+            </a:lvl1pPr>
+            <a:lvl2pPr marL="457200" indent="0">
+              <a:buNone/>
+              <a:defRPr sz="2000" b="1"/>
+            </a:lvl2pPr>
+            <a:lvl3pPr marL="914400" indent="0">
+              <a:buNone/>
               <a:defRPr sz="1800" b="1"/>
-            </a:lvl1pPr>
-            <a:lvl2pPr marL="342900" indent="0">
-              <a:buNone/>
-              <a:defRPr sz="1500" b="1"/>
-            </a:lvl2pPr>
-            <a:lvl3pPr marL="685800" indent="0">
-              <a:buNone/>
-              <a:defRPr sz="1350" b="1"/>
             </a:lvl3pPr>
-            <a:lvl4pPr marL="1028700" indent="0">
-              <a:buNone/>
-              <a:defRPr sz="1200" b="1"/>
+            <a:lvl4pPr marL="1371600" indent="0">
+              <a:buNone/>
+              <a:defRPr sz="1600" b="1"/>
             </a:lvl4pPr>
-            <a:lvl5pPr marL="1371600" indent="0">
-              <a:buNone/>
-              <a:defRPr sz="1200" b="1"/>
+            <a:lvl5pPr marL="1828800" indent="0">
+              <a:buNone/>
+              <a:defRPr sz="1600" b="1"/>
             </a:lvl5pPr>
-            <a:lvl6pPr marL="1714500" indent="0">
-              <a:buNone/>
-              <a:defRPr sz="1200" b="1"/>
+            <a:lvl6pPr marL="2286000" indent="0">
+              <a:buNone/>
+              <a:defRPr sz="1600" b="1"/>
             </a:lvl6pPr>
-            <a:lvl7pPr marL="2057400" indent="0">
-              <a:buNone/>
-              <a:defRPr sz="1200" b="1"/>
+            <a:lvl7pPr marL="2743200" indent="0">
+              <a:buNone/>
+              <a:defRPr sz="1600" b="1"/>
             </a:lvl7pPr>
-            <a:lvl8pPr marL="2400300" indent="0">
-              <a:buNone/>
-              <a:defRPr sz="1200" b="1"/>
+            <a:lvl8pPr marL="3200400" indent="0">
+              <a:buNone/>
+              <a:defRPr sz="1600" b="1"/>
             </a:lvl8pPr>
-            <a:lvl9pPr marL="2743200" indent="0">
-              <a:buNone/>
-              <a:defRPr sz="1200" b="1"/>
+            <a:lvl9pPr marL="3657600" indent="0">
+              <a:buNone/>
+              <a:defRPr sz="1600" b="1"/>
             </a:lvl9pPr>
           </a:lstStyle>
           <a:p>
             <a:pPr lvl="0"/>
             <a:r>
-              <a:rPr lang="en-US"/>
+              <a:rPr lang="en-US" smtClean="0"/>
               <a:t>Click to edit Master text styles</a:t>
             </a:r>
           </a:p>
@@ -1528,75 +1541,76 @@
         </p:nvSpPr>
         <p:spPr>
           <a:xfrm>
-            <a:off x="457200" y="1631156"/>
-            <a:ext cx="4040188" cy="2963466"/>
+            <a:off x="457200" y="2174875"/>
+            <a:ext cx="4040188" cy="3951288"/>
           </a:xfrm>
         </p:spPr>
         <p:txBody>
           <a:bodyPr/>
           <a:lstStyle>
             <a:lvl1pPr>
-              <a:defRPr sz="1800"/>
+              <a:defRPr sz="2400"/>
             </a:lvl1pPr>
             <a:lvl2pPr>
-              <a:defRPr sz="1500"/>
+              <a:defRPr sz="2000"/>
             </a:lvl2pPr>
             <a:lvl3pPr>
-              <a:defRPr sz="1350"/>
+              <a:defRPr sz="1800"/>
             </a:lvl3pPr>
             <a:lvl4pPr>
-              <a:defRPr sz="1200"/>
+              <a:defRPr sz="1600"/>
             </a:lvl4pPr>
             <a:lvl5pPr>
-              <a:defRPr sz="1200"/>
+              <a:defRPr sz="1600"/>
             </a:lvl5pPr>
             <a:lvl6pPr>
-              <a:defRPr sz="1200"/>
+              <a:defRPr sz="1600"/>
             </a:lvl6pPr>
             <a:lvl7pPr>
-              <a:defRPr sz="1200"/>
+              <a:defRPr sz="1600"/>
             </a:lvl7pPr>
             <a:lvl8pPr>
-              <a:defRPr sz="1200"/>
+              <a:defRPr sz="1600"/>
             </a:lvl8pPr>
             <a:lvl9pPr>
-              <a:defRPr sz="1200"/>
+              <a:defRPr sz="1600"/>
             </a:lvl9pPr>
           </a:lstStyle>
           <a:p>
             <a:pPr lvl="0"/>
             <a:r>
-              <a:rPr lang="en-US"/>
+              <a:rPr lang="en-US" smtClean="0"/>
               <a:t>Click to edit Master text styles</a:t>
             </a:r>
           </a:p>
           <a:p>
             <a:pPr lvl="1"/>
             <a:r>
-              <a:rPr lang="en-US"/>
+              <a:rPr lang="en-US" smtClean="0"/>
               <a:t>Second level</a:t>
             </a:r>
           </a:p>
           <a:p>
             <a:pPr lvl="2"/>
             <a:r>
-              <a:rPr lang="en-US"/>
+              <a:rPr lang="en-US" smtClean="0"/>
               <a:t>Third level</a:t>
             </a:r>
           </a:p>
           <a:p>
             <a:pPr lvl="3"/>
             <a:r>
-              <a:rPr lang="en-US"/>
+              <a:rPr lang="en-US" smtClean="0"/>
               <a:t>Fourth level</a:t>
             </a:r>
           </a:p>
           <a:p>
             <a:pPr lvl="4"/>
             <a:r>
-              <a:rPr lang="en-US"/>
+              <a:rPr lang="en-US" smtClean="0"/>
               <a:t>Fifth level</a:t>
             </a:r>
+            <a:endParaRPr lang="en-US"/>
           </a:p>
         </p:txBody>
       </p:sp>
@@ -1612,8 +1626,8 @@
         </p:nvSpPr>
         <p:spPr>
           <a:xfrm>
-            <a:off x="4645026" y="1151335"/>
-            <a:ext cx="4041775" cy="479822"/>
+            <a:off x="4645025" y="1535113"/>
+            <a:ext cx="4041775" cy="639762"/>
           </a:xfrm>
         </p:spPr>
         <p:txBody>
@@ -1621,45 +1635,45 @@
           <a:lstStyle>
             <a:lvl1pPr marL="0" indent="0">
               <a:buNone/>
+              <a:defRPr sz="2400" b="1"/>
+            </a:lvl1pPr>
+            <a:lvl2pPr marL="457200" indent="0">
+              <a:buNone/>
+              <a:defRPr sz="2000" b="1"/>
+            </a:lvl2pPr>
+            <a:lvl3pPr marL="914400" indent="0">
+              <a:buNone/>
               <a:defRPr sz="1800" b="1"/>
-            </a:lvl1pPr>
-            <a:lvl2pPr marL="342900" indent="0">
-              <a:buNone/>
-              <a:defRPr sz="1500" b="1"/>
-            </a:lvl2pPr>
-            <a:lvl3pPr marL="685800" indent="0">
-              <a:buNone/>
-              <a:defRPr sz="1350" b="1"/>
             </a:lvl3pPr>
-            <a:lvl4pPr marL="1028700" indent="0">
-              <a:buNone/>
-              <a:defRPr sz="1200" b="1"/>
+            <a:lvl4pPr marL="1371600" indent="0">
+              <a:buNone/>
+              <a:defRPr sz="1600" b="1"/>
             </a:lvl4pPr>
-            <a:lvl5pPr marL="1371600" indent="0">
-              <a:buNone/>
-              <a:defRPr sz="1200" b="1"/>
+            <a:lvl5pPr marL="1828800" indent="0">
+              <a:buNone/>
+              <a:defRPr sz="1600" b="1"/>
             </a:lvl5pPr>
-            <a:lvl6pPr marL="1714500" indent="0">
-              <a:buNone/>
-              <a:defRPr sz="1200" b="1"/>
+            <a:lvl6pPr marL="2286000" indent="0">
+              <a:buNone/>
+              <a:defRPr sz="1600" b="1"/>
             </a:lvl6pPr>
-            <a:lvl7pPr marL="2057400" indent="0">
-              <a:buNone/>
-              <a:defRPr sz="1200" b="1"/>
+            <a:lvl7pPr marL="2743200" indent="0">
+              <a:buNone/>
+              <a:defRPr sz="1600" b="1"/>
             </a:lvl7pPr>
-            <a:lvl8pPr marL="2400300" indent="0">
-              <a:buNone/>
-              <a:defRPr sz="1200" b="1"/>
+            <a:lvl8pPr marL="3200400" indent="0">
+              <a:buNone/>
+              <a:defRPr sz="1600" b="1"/>
             </a:lvl8pPr>
-            <a:lvl9pPr marL="2743200" indent="0">
-              <a:buNone/>
-              <a:defRPr sz="1200" b="1"/>
+            <a:lvl9pPr marL="3657600" indent="0">
+              <a:buNone/>
+              <a:defRPr sz="1600" b="1"/>
             </a:lvl9pPr>
           </a:lstStyle>
           <a:p>
             <a:pPr lvl="0"/>
             <a:r>
-              <a:rPr lang="en-US"/>
+              <a:rPr lang="en-US" smtClean="0"/>
               <a:t>Click to edit Master text styles</a:t>
             </a:r>
           </a:p>
@@ -1677,75 +1691,76 @@
         </p:nvSpPr>
         <p:spPr>
           <a:xfrm>
-            <a:off x="4645026" y="1631156"/>
-            <a:ext cx="4041775" cy="2963466"/>
+            <a:off x="4645025" y="2174875"/>
+            <a:ext cx="4041775" cy="3951288"/>
           </a:xfrm>
         </p:spPr>
         <p:txBody>
           <a:bodyPr/>
           <a:lstStyle>
             <a:lvl1pPr>
-              <a:defRPr sz="1800"/>
+              <a:defRPr sz="2400"/>
             </a:lvl1pPr>
             <a:lvl2pPr>
-              <a:defRPr sz="1500"/>
+              <a:defRPr sz="2000"/>
             </a:lvl2pPr>
             <a:lvl3pPr>
-              <a:defRPr sz="1350"/>
+              <a:defRPr sz="1800"/>
             </a:lvl3pPr>
             <a:lvl4pPr>
-              <a:defRPr sz="1200"/>
+              <a:defRPr sz="1600"/>
             </a:lvl4pPr>
             <a:lvl5pPr>
-              <a:defRPr sz="1200"/>
+              <a:defRPr sz="1600"/>
             </a:lvl5pPr>
             <a:lvl6pPr>
-              <a:defRPr sz="1200"/>
+              <a:defRPr sz="1600"/>
             </a:lvl6pPr>
             <a:lvl7pPr>
-              <a:defRPr sz="1200"/>
+              <a:defRPr sz="1600"/>
             </a:lvl7pPr>
             <a:lvl8pPr>
-              <a:defRPr sz="1200"/>
+              <a:defRPr sz="1600"/>
             </a:lvl8pPr>
             <a:lvl9pPr>
-              <a:defRPr sz="1200"/>
+              <a:defRPr sz="1600"/>
             </a:lvl9pPr>
           </a:lstStyle>
           <a:p>
             <a:pPr lvl="0"/>
             <a:r>
-              <a:rPr lang="en-US"/>
+              <a:rPr lang="en-US" smtClean="0"/>
               <a:t>Click to edit Master text styles</a:t>
             </a:r>
           </a:p>
           <a:p>
             <a:pPr lvl="1"/>
             <a:r>
-              <a:rPr lang="en-US"/>
+              <a:rPr lang="en-US" smtClean="0"/>
               <a:t>Second level</a:t>
             </a:r>
           </a:p>
           <a:p>
             <a:pPr lvl="2"/>
             <a:r>
-              <a:rPr lang="en-US"/>
+              <a:rPr lang="en-US" smtClean="0"/>
               <a:t>Third level</a:t>
             </a:r>
           </a:p>
           <a:p>
             <a:pPr lvl="3"/>
             <a:r>
-              <a:rPr lang="en-US"/>
+              <a:rPr lang="en-US" smtClean="0"/>
               <a:t>Fourth level</a:t>
             </a:r>
           </a:p>
           <a:p>
             <a:pPr lvl="4"/>
             <a:r>
-              <a:rPr lang="en-US"/>
+              <a:rPr lang="en-US" smtClean="0"/>
               <a:t>Fifth level</a:t>
             </a:r>
+            <a:endParaRPr lang="en-US"/>
           </a:p>
         </p:txBody>
       </p:sp>
@@ -1766,7 +1781,7 @@
           <a:p>
             <a:fld id="{241EB5C9-1307-BA42-ABA2-0BC069CD8E7F}" type="datetimeFigureOut">
               <a:rPr lang="en-US" smtClean="0"/>
-              <a:t>1/2/22</a:t>
+              <a:t>4/5/2019</a:t>
             </a:fld>
             <a:endParaRPr lang="en-US"/>
           </a:p>
@@ -1860,9 +1875,10 @@
           <a:lstStyle/>
           <a:p>
             <a:r>
-              <a:rPr lang="en-US"/>
+              <a:rPr lang="en-US" smtClean="0"/>
               <a:t>Click to edit Master title style</a:t>
             </a:r>
+            <a:endParaRPr lang="en-US"/>
           </a:p>
         </p:txBody>
       </p:sp>
@@ -1883,7 +1899,7 @@
           <a:p>
             <a:fld id="{241EB5C9-1307-BA42-ABA2-0BC069CD8E7F}" type="datetimeFigureOut">
               <a:rPr lang="en-US" smtClean="0"/>
-              <a:t>1/2/22</a:t>
+              <a:t>4/5/2019</a:t>
             </a:fld>
             <a:endParaRPr lang="en-US"/>
           </a:p>
@@ -1978,7 +1994,7 @@
           <a:p>
             <a:fld id="{241EB5C9-1307-BA42-ABA2-0BC069CD8E7F}" type="datetimeFigureOut">
               <a:rPr lang="en-US" smtClean="0"/>
-              <a:t>1/2/22</a:t>
+              <a:t>4/5/2019</a:t>
             </a:fld>
             <a:endParaRPr lang="en-US"/>
           </a:p>
@@ -2068,22 +2084,23 @@
         </p:nvSpPr>
         <p:spPr>
           <a:xfrm>
-            <a:off x="457201" y="204787"/>
-            <a:ext cx="3008313" cy="871538"/>
+            <a:off x="457200" y="273050"/>
+            <a:ext cx="3008313" cy="1162050"/>
           </a:xfrm>
         </p:spPr>
         <p:txBody>
           <a:bodyPr anchor="b"/>
           <a:lstStyle>
             <a:lvl1pPr algn="l">
-              <a:defRPr sz="1500" b="1"/>
+              <a:defRPr sz="2000" b="1"/>
             </a:lvl1pPr>
           </a:lstStyle>
           <a:p>
             <a:r>
-              <a:rPr lang="en-US"/>
+              <a:rPr lang="en-US" smtClean="0"/>
               <a:t>Click to edit Master title style</a:t>
             </a:r>
+            <a:endParaRPr lang="en-US"/>
           </a:p>
         </p:txBody>
       </p:sp>
@@ -2099,75 +2116,76 @@
         </p:nvSpPr>
         <p:spPr>
           <a:xfrm>
-            <a:off x="3575050" y="204788"/>
-            <a:ext cx="5111750" cy="4389835"/>
+            <a:off x="3575050" y="273050"/>
+            <a:ext cx="5111750" cy="5853113"/>
           </a:xfrm>
         </p:spPr>
         <p:txBody>
           <a:bodyPr/>
           <a:lstStyle>
             <a:lvl1pPr>
-              <a:defRPr sz="2400"/>
+              <a:defRPr sz="3200"/>
             </a:lvl1pPr>
             <a:lvl2pPr>
-              <a:defRPr sz="2100"/>
+              <a:defRPr sz="2800"/>
             </a:lvl2pPr>
             <a:lvl3pPr>
-              <a:defRPr sz="1800"/>
+              <a:defRPr sz="2400"/>
             </a:lvl3pPr>
             <a:lvl4pPr>
-              <a:defRPr sz="1500"/>
+              <a:defRPr sz="2000"/>
             </a:lvl4pPr>
             <a:lvl5pPr>
-              <a:defRPr sz="1500"/>
+              <a:defRPr sz="2000"/>
             </a:lvl5pPr>
             <a:lvl6pPr>
-              <a:defRPr sz="1500"/>
+              <a:defRPr sz="2000"/>
             </a:lvl6pPr>
             <a:lvl7pPr>
-              <a:defRPr sz="1500"/>
+              <a:defRPr sz="2000"/>
             </a:lvl7pPr>
             <a:lvl8pPr>
-              <a:defRPr sz="1500"/>
+              <a:defRPr sz="2000"/>
             </a:lvl8pPr>
             <a:lvl9pPr>
-              <a:defRPr sz="1500"/>
+              <a:defRPr sz="2000"/>
             </a:lvl9pPr>
           </a:lstStyle>
           <a:p>
             <a:pPr lvl="0"/>
             <a:r>
-              <a:rPr lang="en-US"/>
+              <a:rPr lang="en-US" smtClean="0"/>
               <a:t>Click to edit Master text styles</a:t>
             </a:r>
           </a:p>
           <a:p>
             <a:pPr lvl="1"/>
             <a:r>
-              <a:rPr lang="en-US"/>
+              <a:rPr lang="en-US" smtClean="0"/>
               <a:t>Second level</a:t>
             </a:r>
           </a:p>
           <a:p>
             <a:pPr lvl="2"/>
             <a:r>
-              <a:rPr lang="en-US"/>
+              <a:rPr lang="en-US" smtClean="0"/>
               <a:t>Third level</a:t>
             </a:r>
           </a:p>
           <a:p>
             <a:pPr lvl="3"/>
             <a:r>
-              <a:rPr lang="en-US"/>
+              <a:rPr lang="en-US" smtClean="0"/>
               <a:t>Fourth level</a:t>
             </a:r>
           </a:p>
           <a:p>
             <a:pPr lvl="4"/>
             <a:r>
-              <a:rPr lang="en-US"/>
+              <a:rPr lang="en-US" smtClean="0"/>
               <a:t>Fifth level</a:t>
             </a:r>
+            <a:endParaRPr lang="en-US"/>
           </a:p>
         </p:txBody>
       </p:sp>
@@ -2183,8 +2201,8 @@
         </p:nvSpPr>
         <p:spPr>
           <a:xfrm>
-            <a:off x="457201" y="1076326"/>
-            <a:ext cx="3008313" cy="3518297"/>
+            <a:off x="457200" y="1435100"/>
+            <a:ext cx="3008313" cy="4691063"/>
           </a:xfrm>
         </p:spPr>
         <p:txBody>
@@ -2192,45 +2210,45 @@
           <a:lstStyle>
             <a:lvl1pPr marL="0" indent="0">
               <a:buNone/>
-              <a:defRPr sz="1050"/>
+              <a:defRPr sz="1400"/>
             </a:lvl1pPr>
-            <a:lvl2pPr marL="342900" indent="0">
+            <a:lvl2pPr marL="457200" indent="0">
+              <a:buNone/>
+              <a:defRPr sz="1200"/>
+            </a:lvl2pPr>
+            <a:lvl3pPr marL="914400" indent="0">
+              <a:buNone/>
+              <a:defRPr sz="1000"/>
+            </a:lvl3pPr>
+            <a:lvl4pPr marL="1371600" indent="0">
               <a:buNone/>
               <a:defRPr sz="900"/>
-            </a:lvl2pPr>
-            <a:lvl3pPr marL="685800" indent="0">
-              <a:buNone/>
-              <a:defRPr sz="750"/>
-            </a:lvl3pPr>
-            <a:lvl4pPr marL="1028700" indent="0">
-              <a:buNone/>
-              <a:defRPr sz="675"/>
             </a:lvl4pPr>
-            <a:lvl5pPr marL="1371600" indent="0">
-              <a:buNone/>
-              <a:defRPr sz="675"/>
+            <a:lvl5pPr marL="1828800" indent="0">
+              <a:buNone/>
+              <a:defRPr sz="900"/>
             </a:lvl5pPr>
-            <a:lvl6pPr marL="1714500" indent="0">
-              <a:buNone/>
-              <a:defRPr sz="675"/>
+            <a:lvl6pPr marL="2286000" indent="0">
+              <a:buNone/>
+              <a:defRPr sz="900"/>
             </a:lvl6pPr>
-            <a:lvl7pPr marL="2057400" indent="0">
-              <a:buNone/>
-              <a:defRPr sz="675"/>
+            <a:lvl7pPr marL="2743200" indent="0">
+              <a:buNone/>
+              <a:defRPr sz="900"/>
             </a:lvl7pPr>
-            <a:lvl8pPr marL="2400300" indent="0">
-              <a:buNone/>
-              <a:defRPr sz="675"/>
+            <a:lvl8pPr marL="3200400" indent="0">
+              <a:buNone/>
+              <a:defRPr sz="900"/>
             </a:lvl8pPr>
-            <a:lvl9pPr marL="2743200" indent="0">
-              <a:buNone/>
-              <a:defRPr sz="675"/>
+            <a:lvl9pPr marL="3657600" indent="0">
+              <a:buNone/>
+              <a:defRPr sz="900"/>
             </a:lvl9pPr>
           </a:lstStyle>
           <a:p>
             <a:pPr lvl="0"/>
             <a:r>
-              <a:rPr lang="en-US"/>
+              <a:rPr lang="en-US" smtClean="0"/>
               <a:t>Click to edit Master text styles</a:t>
             </a:r>
           </a:p>
@@ -2253,7 +2271,7 @@
           <a:p>
             <a:fld id="{241EB5C9-1307-BA42-ABA2-0BC069CD8E7F}" type="datetimeFigureOut">
               <a:rPr lang="en-US" smtClean="0"/>
-              <a:t>1/2/22</a:t>
+              <a:t>4/5/2019</a:t>
             </a:fld>
             <a:endParaRPr lang="en-US"/>
           </a:p>
@@ -2343,22 +2361,23 @@
         </p:nvSpPr>
         <p:spPr>
           <a:xfrm>
-            <a:off x="1792288" y="3600450"/>
-            <a:ext cx="5486400" cy="425054"/>
+            <a:off x="1792288" y="4800600"/>
+            <a:ext cx="5486400" cy="566738"/>
           </a:xfrm>
         </p:spPr>
         <p:txBody>
           <a:bodyPr anchor="b"/>
           <a:lstStyle>
             <a:lvl1pPr algn="l">
-              <a:defRPr sz="1500" b="1"/>
+              <a:defRPr sz="2000" b="1"/>
             </a:lvl1pPr>
           </a:lstStyle>
           <a:p>
             <a:r>
-              <a:rPr lang="en-US"/>
+              <a:rPr lang="en-US" smtClean="0"/>
               <a:t>Click to edit Master title style</a:t>
             </a:r>
+            <a:endParaRPr lang="en-US"/>
           </a:p>
         </p:txBody>
       </p:sp>
@@ -2374,8 +2393,8 @@
         </p:nvSpPr>
         <p:spPr>
           <a:xfrm>
-            <a:off x="1792288" y="459581"/>
-            <a:ext cx="5486400" cy="3086100"/>
+            <a:off x="1792288" y="612775"/>
+            <a:ext cx="5486400" cy="4114800"/>
           </a:xfrm>
         </p:spPr>
         <p:txBody>
@@ -2383,39 +2402,39 @@
           <a:lstStyle>
             <a:lvl1pPr marL="0" indent="0">
               <a:buNone/>
+              <a:defRPr sz="3200"/>
+            </a:lvl1pPr>
+            <a:lvl2pPr marL="457200" indent="0">
+              <a:buNone/>
+              <a:defRPr sz="2800"/>
+            </a:lvl2pPr>
+            <a:lvl3pPr marL="914400" indent="0">
+              <a:buNone/>
               <a:defRPr sz="2400"/>
-            </a:lvl1pPr>
-            <a:lvl2pPr marL="342900" indent="0">
-              <a:buNone/>
-              <a:defRPr sz="2100"/>
-            </a:lvl2pPr>
-            <a:lvl3pPr marL="685800" indent="0">
-              <a:buNone/>
-              <a:defRPr sz="1800"/>
             </a:lvl3pPr>
-            <a:lvl4pPr marL="1028700" indent="0">
-              <a:buNone/>
-              <a:defRPr sz="1500"/>
+            <a:lvl4pPr marL="1371600" indent="0">
+              <a:buNone/>
+              <a:defRPr sz="2000"/>
             </a:lvl4pPr>
-            <a:lvl5pPr marL="1371600" indent="0">
-              <a:buNone/>
-              <a:defRPr sz="1500"/>
+            <a:lvl5pPr marL="1828800" indent="0">
+              <a:buNone/>
+              <a:defRPr sz="2000"/>
             </a:lvl5pPr>
-            <a:lvl6pPr marL="1714500" indent="0">
-              <a:buNone/>
-              <a:defRPr sz="1500"/>
+            <a:lvl6pPr marL="2286000" indent="0">
+              <a:buNone/>
+              <a:defRPr sz="2000"/>
             </a:lvl6pPr>
-            <a:lvl7pPr marL="2057400" indent="0">
-              <a:buNone/>
-              <a:defRPr sz="1500"/>
+            <a:lvl7pPr marL="2743200" indent="0">
+              <a:buNone/>
+              <a:defRPr sz="2000"/>
             </a:lvl7pPr>
-            <a:lvl8pPr marL="2400300" indent="0">
-              <a:buNone/>
-              <a:defRPr sz="1500"/>
+            <a:lvl8pPr marL="3200400" indent="0">
+              <a:buNone/>
+              <a:defRPr sz="2000"/>
             </a:lvl8pPr>
-            <a:lvl9pPr marL="2743200" indent="0">
-              <a:buNone/>
-              <a:defRPr sz="1500"/>
+            <a:lvl9pPr marL="3657600" indent="0">
+              <a:buNone/>
+              <a:defRPr sz="2000"/>
             </a:lvl9pPr>
           </a:lstStyle>
           <a:p>
@@ -2435,8 +2454,8 @@
         </p:nvSpPr>
         <p:spPr>
           <a:xfrm>
-            <a:off x="1792288" y="4025503"/>
-            <a:ext cx="5486400" cy="603647"/>
+            <a:off x="1792288" y="5367338"/>
+            <a:ext cx="5486400" cy="804862"/>
           </a:xfrm>
         </p:spPr>
         <p:txBody>
@@ -2444,45 +2463,45 @@
           <a:lstStyle>
             <a:lvl1pPr marL="0" indent="0">
               <a:buNone/>
-              <a:defRPr sz="1050"/>
+              <a:defRPr sz="1400"/>
             </a:lvl1pPr>
-            <a:lvl2pPr marL="342900" indent="0">
+            <a:lvl2pPr marL="457200" indent="0">
+              <a:buNone/>
+              <a:defRPr sz="1200"/>
+            </a:lvl2pPr>
+            <a:lvl3pPr marL="914400" indent="0">
+              <a:buNone/>
+              <a:defRPr sz="1000"/>
+            </a:lvl3pPr>
+            <a:lvl4pPr marL="1371600" indent="0">
               <a:buNone/>
               <a:defRPr sz="900"/>
-            </a:lvl2pPr>
-            <a:lvl3pPr marL="685800" indent="0">
-              <a:buNone/>
-              <a:defRPr sz="750"/>
-            </a:lvl3pPr>
-            <a:lvl4pPr marL="1028700" indent="0">
-              <a:buNone/>
-              <a:defRPr sz="675"/>
             </a:lvl4pPr>
-            <a:lvl5pPr marL="1371600" indent="0">
-              <a:buNone/>
-              <a:defRPr sz="675"/>
+            <a:lvl5pPr marL="1828800" indent="0">
+              <a:buNone/>
+              <a:defRPr sz="900"/>
             </a:lvl5pPr>
-            <a:lvl6pPr marL="1714500" indent="0">
-              <a:buNone/>
-              <a:defRPr sz="675"/>
+            <a:lvl6pPr marL="2286000" indent="0">
+              <a:buNone/>
+              <a:defRPr sz="900"/>
             </a:lvl6pPr>
-            <a:lvl7pPr marL="2057400" indent="0">
-              <a:buNone/>
-              <a:defRPr sz="675"/>
+            <a:lvl7pPr marL="2743200" indent="0">
+              <a:buNone/>
+              <a:defRPr sz="900"/>
             </a:lvl7pPr>
-            <a:lvl8pPr marL="2400300" indent="0">
-              <a:buNone/>
-              <a:defRPr sz="675"/>
+            <a:lvl8pPr marL="3200400" indent="0">
+              <a:buNone/>
+              <a:defRPr sz="900"/>
             </a:lvl8pPr>
-            <a:lvl9pPr marL="2743200" indent="0">
-              <a:buNone/>
-              <a:defRPr sz="675"/>
+            <a:lvl9pPr marL="3657600" indent="0">
+              <a:buNone/>
+              <a:defRPr sz="900"/>
             </a:lvl9pPr>
           </a:lstStyle>
           <a:p>
             <a:pPr lvl="0"/>
             <a:r>
-              <a:rPr lang="en-US"/>
+              <a:rPr lang="en-US" smtClean="0"/>
               <a:t>Click to edit Master text styles</a:t>
             </a:r>
           </a:p>
@@ -2505,7 +2524,7 @@
           <a:p>
             <a:fld id="{241EB5C9-1307-BA42-ABA2-0BC069CD8E7F}" type="datetimeFigureOut">
               <a:rPr lang="en-US" smtClean="0"/>
-              <a:t>1/2/22</a:t>
+              <a:t>4/5/2019</a:t>
             </a:fld>
             <a:endParaRPr lang="en-US"/>
           </a:p>
@@ -2567,7 +2586,7 @@
 </file>
 
 <file path=ppt/slideMasters/slideMaster1.xml><?xml version="1.0" encoding="utf-8"?>
-<p:sldMaster xmlns:a="http://schemas.openxmlformats.org/drawingml/2006/main" xmlns:p="http://schemas.openxmlformats.org/presentationml/2006/main" xmlns:r="http://schemas.openxmlformats.org/officeDocument/2006/relationships">
+<p:sldMaster xmlns:a="http://schemas.openxmlformats.org/drawingml/2006/main" xmlns:r="http://schemas.openxmlformats.org/officeDocument/2006/relationships" xmlns:p="http://schemas.openxmlformats.org/presentationml/2006/main">
   <p:cSld>
     <p:bg>
       <p:bgRef idx="1001">
@@ -2600,23 +2619,24 @@
         </p:nvSpPr>
         <p:spPr>
           <a:xfrm>
-            <a:off x="457200" y="205979"/>
-            <a:ext cx="8229600" cy="857250"/>
+            <a:off x="457200" y="274638"/>
+            <a:ext cx="8229600" cy="1143000"/>
           </a:xfrm>
           <a:prstGeom prst="rect">
             <a:avLst/>
           </a:prstGeom>
         </p:spPr>
         <p:txBody>
-          <a:bodyPr anchor="ctr" bIns="45720" lIns="91440" rIns="91440" rtlCol="0" tIns="45720" vert="horz">
+          <a:bodyPr vert="horz" lIns="91440" tIns="45720" rIns="91440" bIns="45720" rtlCol="0" anchor="ctr">
             <a:normAutofit/>
           </a:bodyPr>
           <a:lstStyle/>
           <a:p>
             <a:r>
-              <a:rPr lang="en-US"/>
+              <a:rPr lang="en-US" smtClean="0"/>
               <a:t>Click to edit Master title style</a:t>
             </a:r>
+            <a:endParaRPr lang="en-US"/>
           </a:p>
         </p:txBody>
       </p:sp>
@@ -2627,57 +2647,58 @@
             <a:spLocks noGrp="1"/>
           </p:cNvSpPr>
           <p:nvPr>
-            <p:ph idx="1" type="body"/>
+            <p:ph type="body" idx="1"/>
           </p:nvPr>
         </p:nvSpPr>
         <p:spPr>
           <a:xfrm>
-            <a:off x="457200" y="1200151"/>
-            <a:ext cx="8229600" cy="3394472"/>
+            <a:off x="457200" y="1600200"/>
+            <a:ext cx="8229600" cy="4525963"/>
           </a:xfrm>
           <a:prstGeom prst="rect">
             <a:avLst/>
           </a:prstGeom>
         </p:spPr>
         <p:txBody>
-          <a:bodyPr bIns="45720" lIns="91440" rIns="91440" rtlCol="0" tIns="45720" vert="horz">
+          <a:bodyPr vert="horz" lIns="91440" tIns="45720" rIns="91440" bIns="45720" rtlCol="0">
             <a:normAutofit/>
           </a:bodyPr>
           <a:lstStyle/>
           <a:p>
             <a:pPr lvl="0"/>
             <a:r>
-              <a:rPr lang="en-US"/>
+              <a:rPr lang="en-US" smtClean="0"/>
               <a:t>Click to edit Master text styles</a:t>
             </a:r>
           </a:p>
           <a:p>
             <a:pPr lvl="1"/>
             <a:r>
-              <a:rPr lang="en-US"/>
+              <a:rPr lang="en-US" smtClean="0"/>
               <a:t>Second level</a:t>
             </a:r>
           </a:p>
           <a:p>
             <a:pPr lvl="2"/>
             <a:r>
-              <a:rPr lang="en-US"/>
+              <a:rPr lang="en-US" smtClean="0"/>
               <a:t>Third level</a:t>
             </a:r>
           </a:p>
           <a:p>
             <a:pPr lvl="3"/>
             <a:r>
-              <a:rPr lang="en-US"/>
+              <a:rPr lang="en-US" smtClean="0"/>
               <a:t>Fourth level</a:t>
             </a:r>
           </a:p>
           <a:p>
             <a:pPr lvl="4"/>
             <a:r>
-              <a:rPr lang="en-US"/>
+              <a:rPr lang="en-US" smtClean="0"/>
               <a:t>Fifth level</a:t>
             </a:r>
+            <a:endParaRPr lang="en-US"/>
           </a:p>
         </p:txBody>
       </p:sp>
@@ -2688,23 +2709,23 @@
             <a:spLocks noGrp="1"/>
           </p:cNvSpPr>
           <p:nvPr>
-            <p:ph idx="2" sz="half" type="dt"/>
+            <p:ph type="dt" sz="half" idx="2"/>
           </p:nvPr>
         </p:nvSpPr>
         <p:spPr>
           <a:xfrm>
-            <a:off x="457200" y="4767263"/>
-            <a:ext cx="2133600" cy="273844"/>
+            <a:off x="457200" y="6356350"/>
+            <a:ext cx="2133600" cy="365125"/>
           </a:xfrm>
           <a:prstGeom prst="rect">
             <a:avLst/>
           </a:prstGeom>
         </p:spPr>
         <p:txBody>
-          <a:bodyPr anchor="ctr" bIns="45720" lIns="91440" rIns="91440" rtlCol="0" tIns="45720" vert="horz"/>
+          <a:bodyPr vert="horz" lIns="91440" tIns="45720" rIns="91440" bIns="45720" rtlCol="0" anchor="ctr"/>
           <a:lstStyle>
             <a:lvl1pPr algn="l">
-              <a:defRPr sz="900">
+              <a:defRPr sz="1200">
                 <a:solidFill>
                   <a:schemeClr val="tx1">
                     <a:tint val="75000"/>
@@ -2716,7 +2737,7 @@
           <a:p>
             <a:fld id="{241EB5C9-1307-BA42-ABA2-0BC069CD8E7F}" type="datetimeFigureOut">
               <a:rPr lang="en-US" smtClean="0"/>
-              <a:t>1/2/22</a:t>
+              <a:t>4/5/2019</a:t>
             </a:fld>
             <a:endParaRPr lang="en-US"/>
           </a:p>
@@ -2729,23 +2750,23 @@
             <a:spLocks noGrp="1"/>
           </p:cNvSpPr>
           <p:nvPr>
-            <p:ph idx="3" sz="quarter" type="ftr"/>
+            <p:ph type="ftr" sz="quarter" idx="3"/>
           </p:nvPr>
         </p:nvSpPr>
         <p:spPr>
           <a:xfrm>
-            <a:off x="3124200" y="4767263"/>
-            <a:ext cx="2895600" cy="273844"/>
+            <a:off x="3124200" y="6356350"/>
+            <a:ext cx="2895600" cy="365125"/>
           </a:xfrm>
           <a:prstGeom prst="rect">
             <a:avLst/>
           </a:prstGeom>
         </p:spPr>
         <p:txBody>
-          <a:bodyPr anchor="ctr" bIns="45720" lIns="91440" rIns="91440" rtlCol="0" tIns="45720" vert="horz"/>
+          <a:bodyPr vert="horz" lIns="91440" tIns="45720" rIns="91440" bIns="45720" rtlCol="0" anchor="ctr"/>
           <a:lstStyle>
             <a:lvl1pPr algn="ctr">
-              <a:defRPr sz="900">
+              <a:defRPr sz="1200">
                 <a:solidFill>
                   <a:schemeClr val="tx1">
                     <a:tint val="75000"/>
@@ -2766,23 +2787,23 @@
             <a:spLocks noGrp="1"/>
           </p:cNvSpPr>
           <p:nvPr>
-            <p:ph idx="4" sz="quarter" type="sldNum"/>
+            <p:ph type="sldNum" sz="quarter" idx="4"/>
           </p:nvPr>
         </p:nvSpPr>
         <p:spPr>
           <a:xfrm>
-            <a:off x="6553200" y="4767263"/>
-            <a:ext cx="2133600" cy="273844"/>
+            <a:off x="6553200" y="6356350"/>
+            <a:ext cx="2133600" cy="365125"/>
           </a:xfrm>
           <a:prstGeom prst="rect">
             <a:avLst/>
           </a:prstGeom>
         </p:spPr>
         <p:txBody>
-          <a:bodyPr anchor="ctr" bIns="45720" lIns="91440" rIns="91440" rtlCol="0" tIns="45720" vert="horz"/>
+          <a:bodyPr vert="horz" lIns="91440" tIns="45720" rIns="91440" bIns="45720" rtlCol="0" anchor="ctr"/>
           <a:lstStyle>
             <a:lvl1pPr algn="r">
-              <a:defRPr sz="900">
+              <a:defRPr sz="1200">
                 <a:solidFill>
                   <a:schemeClr val="tx1">
                     <a:tint val="75000"/>
@@ -2807,7 +2828,7 @@
       </p:ext>
     </p:extLst>
   </p:cSld>
-  <p:clrMap accent1="accent1" accent2="accent2" accent3="accent3" accent4="accent4" accent5="accent5" accent6="accent6" bg1="lt1" bg2="lt2" folHlink="folHlink" hlink="hlink" tx1="dk1" tx2="dk2"/>
+  <p:clrMap bg1="lt1" tx1="dk1" bg2="lt2" tx2="dk2" accent1="accent1" accent2="accent2" accent3="accent3" accent4="accent4" accent5="accent5" accent6="accent6" hlink="hlink" folHlink="folHlink"/>
   <p:sldLayoutIdLst>
     <p:sldLayoutId id="2147483649" r:id="rId1"/>
     <p:sldLayoutId id="2147483650" r:id="rId2"/>
@@ -2823,12 +2844,12 @@
   </p:sldLayoutIdLst>
   <p:txStyles>
     <p:titleStyle>
-      <a:lvl1pPr algn="ctr" defTabSz="342900" eaLnBrk="1" hangingPunct="1" latinLnBrk="0" rtl="0">
+      <a:lvl1pPr algn="ctr" defTabSz="457200" rtl="0" eaLnBrk="1" latinLnBrk="0" hangingPunct="1">
         <a:spcBef>
           <a:spcPct val="0"/>
         </a:spcBef>
         <a:buNone/>
-        <a:defRPr kern="1200" sz="3300">
+        <a:defRPr sz="4400" kern="1200">
           <a:solidFill>
             <a:schemeClr val="tx1"/>
           </a:solidFill>
@@ -2839,13 +2860,13 @@
       </a:lvl1pPr>
     </p:titleStyle>
     <p:bodyStyle>
-      <a:lvl1pPr algn="l" defTabSz="342900" eaLnBrk="1" hangingPunct="1" indent="-342900" latinLnBrk="0" marL="342900" rtl="0">
+      <a:lvl1pPr marL="342900" indent="-342900" algn="l" defTabSz="457200" rtl="0" eaLnBrk="1" latinLnBrk="0" hangingPunct="1">
         <a:spcBef>
           <a:spcPct val="20000"/>
         </a:spcBef>
         <a:buFont typeface="Arial"/>
         <a:buChar char="•"/>
-        <a:defRPr kern="1200" sz="2400">
+        <a:defRPr sz="3200" kern="1200">
           <a:solidFill>
             <a:schemeClr val="tx1"/>
           </a:solidFill>
@@ -2854,13 +2875,13 @@
           <a:cs typeface="+mn-cs"/>
         </a:defRPr>
       </a:lvl1pPr>
-      <a:lvl2pPr algn="l" defTabSz="342900" eaLnBrk="1" hangingPunct="1" indent="-342900" latinLnBrk="0" marL="685800" rtl="0">
+      <a:lvl2pPr marL="742950" indent="-285750" algn="l" defTabSz="457200" rtl="0" eaLnBrk="1" latinLnBrk="0" hangingPunct="1">
         <a:spcBef>
           <a:spcPct val="20000"/>
         </a:spcBef>
         <a:buFont typeface="Arial"/>
         <a:buChar char="–"/>
-        <a:defRPr kern="1200" sz="2100">
+        <a:defRPr sz="2800" kern="1200">
           <a:solidFill>
             <a:schemeClr val="tx1"/>
           </a:solidFill>
@@ -2869,13 +2890,13 @@
           <a:cs typeface="+mn-cs"/>
         </a:defRPr>
       </a:lvl2pPr>
-      <a:lvl3pPr algn="l" defTabSz="342900" eaLnBrk="1" hangingPunct="1" indent="-342900" latinLnBrk="0" marL="1028700" rtl="0">
+      <a:lvl3pPr marL="1143000" indent="-228600" algn="l" defTabSz="457200" rtl="0" eaLnBrk="1" latinLnBrk="0" hangingPunct="1">
         <a:spcBef>
           <a:spcPct val="20000"/>
         </a:spcBef>
         <a:buFont typeface="Arial"/>
         <a:buChar char="•"/>
-        <a:defRPr kern="1200" sz="1800">
+        <a:defRPr sz="2400" kern="1200">
           <a:solidFill>
             <a:schemeClr val="tx1"/>
           </a:solidFill>
@@ -2884,13 +2905,13 @@
           <a:cs typeface="+mn-cs"/>
         </a:defRPr>
       </a:lvl3pPr>
-      <a:lvl4pPr algn="l" defTabSz="342900" eaLnBrk="1" hangingPunct="1" indent="-342900" latinLnBrk="0" marL="1371600" rtl="0">
+      <a:lvl4pPr marL="1600200" indent="-228600" algn="l" defTabSz="457200" rtl="0" eaLnBrk="1" latinLnBrk="0" hangingPunct="1">
         <a:spcBef>
           <a:spcPct val="20000"/>
         </a:spcBef>
         <a:buFont typeface="Arial"/>
         <a:buChar char="–"/>
-        <a:defRPr kern="1200" sz="1500">
+        <a:defRPr sz="2000" kern="1200">
           <a:solidFill>
             <a:schemeClr val="tx1"/>
           </a:solidFill>
@@ -2899,13 +2920,13 @@
           <a:cs typeface="+mn-cs"/>
         </a:defRPr>
       </a:lvl4pPr>
-      <a:lvl5pPr algn="l" defTabSz="342900" eaLnBrk="1" hangingPunct="1" indent="-342900" latinLnBrk="0" marL="1714500" rtl="0">
+      <a:lvl5pPr marL="2057400" indent="-228600" algn="l" defTabSz="457200" rtl="0" eaLnBrk="1" latinLnBrk="0" hangingPunct="1">
         <a:spcBef>
           <a:spcPct val="20000"/>
         </a:spcBef>
         <a:buFont typeface="Arial"/>
         <a:buChar char="»"/>
-        <a:defRPr kern="1200" sz="1500">
+        <a:defRPr sz="2000" kern="1200">
           <a:solidFill>
             <a:schemeClr val="tx1"/>
           </a:solidFill>
@@ -2914,13 +2935,13 @@
           <a:cs typeface="+mn-cs"/>
         </a:defRPr>
       </a:lvl5pPr>
-      <a:lvl6pPr algn="l" defTabSz="342900" eaLnBrk="1" hangingPunct="1" indent="-342900" latinLnBrk="0" marL="2057400" rtl="0">
+      <a:lvl6pPr marL="2514600" indent="-228600" algn="l" defTabSz="457200" rtl="0" eaLnBrk="1" latinLnBrk="0" hangingPunct="1">
         <a:spcBef>
           <a:spcPct val="20000"/>
         </a:spcBef>
         <a:buFont typeface="Arial"/>
         <a:buChar char="•"/>
-        <a:defRPr kern="1200" sz="1500">
+        <a:defRPr sz="2000" kern="1200">
           <a:solidFill>
             <a:schemeClr val="tx1"/>
           </a:solidFill>
@@ -2929,13 +2950,13 @@
           <a:cs typeface="+mn-cs"/>
         </a:defRPr>
       </a:lvl6pPr>
-      <a:lvl7pPr algn="l" defTabSz="342900" eaLnBrk="1" hangingPunct="1" indent="-342900" latinLnBrk="0" marL="2400300" rtl="0">
+      <a:lvl7pPr marL="2971800" indent="-228600" algn="l" defTabSz="457200" rtl="0" eaLnBrk="1" latinLnBrk="0" hangingPunct="1">
         <a:spcBef>
           <a:spcPct val="20000"/>
         </a:spcBef>
         <a:buFont typeface="Arial"/>
         <a:buChar char="•"/>
-        <a:defRPr kern="1200" sz="1500">
+        <a:defRPr sz="2000" kern="1200">
           <a:solidFill>
             <a:schemeClr val="tx1"/>
           </a:solidFill>
@@ -2944,13 +2965,13 @@
           <a:cs typeface="+mn-cs"/>
         </a:defRPr>
       </a:lvl7pPr>
-      <a:lvl8pPr algn="l" defTabSz="342900" eaLnBrk="1" hangingPunct="1" indent="-342900" latinLnBrk="0" marL="2743200" rtl="0">
+      <a:lvl8pPr marL="3429000" indent="-228600" algn="l" defTabSz="457200" rtl="0" eaLnBrk="1" latinLnBrk="0" hangingPunct="1">
         <a:spcBef>
           <a:spcPct val="20000"/>
         </a:spcBef>
         <a:buFont typeface="Arial"/>
         <a:buChar char="•"/>
-        <a:defRPr kern="1200" sz="1500">
+        <a:defRPr sz="2000" kern="1200">
           <a:solidFill>
             <a:schemeClr val="tx1"/>
           </a:solidFill>
@@ -2959,13 +2980,13 @@
           <a:cs typeface="+mn-cs"/>
         </a:defRPr>
       </a:lvl8pPr>
-      <a:lvl9pPr algn="l" defTabSz="342900" eaLnBrk="1" hangingPunct="1" indent="-342900" latinLnBrk="0" marL="3086100" rtl="0">
+      <a:lvl9pPr marL="3886200" indent="-228600" algn="l" defTabSz="457200" rtl="0" eaLnBrk="1" latinLnBrk="0" hangingPunct="1">
         <a:spcBef>
           <a:spcPct val="20000"/>
         </a:spcBef>
         <a:buFont typeface="Arial"/>
         <a:buChar char="•"/>
-        <a:defRPr kern="1200" sz="1500">
+        <a:defRPr sz="2000" kern="1200">
           <a:solidFill>
             <a:schemeClr val="tx1"/>
           </a:solidFill>
@@ -2979,8 +3000,8 @@
       <a:defPPr>
         <a:defRPr lang="en-US"/>
       </a:defPPr>
-      <a:lvl1pPr algn="l" defTabSz="342900" eaLnBrk="1" hangingPunct="1" latinLnBrk="0" marL="0" rtl="0">
-        <a:defRPr kern="1200" sz="1350">
+      <a:lvl1pPr marL="0" algn="l" defTabSz="457200" rtl="0" eaLnBrk="1" latinLnBrk="0" hangingPunct="1">
+        <a:defRPr sz="1800" kern="1200">
           <a:solidFill>
             <a:schemeClr val="tx1"/>
           </a:solidFill>
@@ -2989,8 +3010,8 @@
           <a:cs typeface="+mn-cs"/>
         </a:defRPr>
       </a:lvl1pPr>
-      <a:lvl2pPr algn="l" defTabSz="342900" eaLnBrk="1" hangingPunct="1" latinLnBrk="0" marL="342900" rtl="0">
-        <a:defRPr kern="1200" sz="1350">
+      <a:lvl2pPr marL="457200" algn="l" defTabSz="457200" rtl="0" eaLnBrk="1" latinLnBrk="0" hangingPunct="1">
+        <a:defRPr sz="1800" kern="1200">
           <a:solidFill>
             <a:schemeClr val="tx1"/>
           </a:solidFill>
@@ -2999,8 +3020,8 @@
           <a:cs typeface="+mn-cs"/>
         </a:defRPr>
       </a:lvl2pPr>
-      <a:lvl3pPr algn="l" defTabSz="342900" eaLnBrk="1" hangingPunct="1" latinLnBrk="0" marL="685800" rtl="0">
-        <a:defRPr kern="1200" sz="1350">
+      <a:lvl3pPr marL="914400" algn="l" defTabSz="457200" rtl="0" eaLnBrk="1" latinLnBrk="0" hangingPunct="1">
+        <a:defRPr sz="1800" kern="1200">
           <a:solidFill>
             <a:schemeClr val="tx1"/>
           </a:solidFill>
@@ -3009,8 +3030,8 @@
           <a:cs typeface="+mn-cs"/>
         </a:defRPr>
       </a:lvl3pPr>
-      <a:lvl4pPr algn="l" defTabSz="342900" eaLnBrk="1" hangingPunct="1" latinLnBrk="0" marL="1028700" rtl="0">
-        <a:defRPr kern="1200" sz="1350">
+      <a:lvl4pPr marL="1371600" algn="l" defTabSz="457200" rtl="0" eaLnBrk="1" latinLnBrk="0" hangingPunct="1">
+        <a:defRPr sz="1800" kern="1200">
           <a:solidFill>
             <a:schemeClr val="tx1"/>
           </a:solidFill>
@@ -3019,8 +3040,8 @@
           <a:cs typeface="+mn-cs"/>
         </a:defRPr>
       </a:lvl4pPr>
-      <a:lvl5pPr algn="l" defTabSz="342900" eaLnBrk="1" hangingPunct="1" latinLnBrk="0" marL="1371600" rtl="0">
-        <a:defRPr kern="1200" sz="1350">
+      <a:lvl5pPr marL="1828800" algn="l" defTabSz="457200" rtl="0" eaLnBrk="1" latinLnBrk="0" hangingPunct="1">
+        <a:defRPr sz="1800" kern="1200">
           <a:solidFill>
             <a:schemeClr val="tx1"/>
           </a:solidFill>
@@ -3029,8 +3050,8 @@
           <a:cs typeface="+mn-cs"/>
         </a:defRPr>
       </a:lvl5pPr>
-      <a:lvl6pPr algn="l" defTabSz="342900" eaLnBrk="1" hangingPunct="1" latinLnBrk="0" marL="1714500" rtl="0">
-        <a:defRPr kern="1200" sz="1350">
+      <a:lvl6pPr marL="2286000" algn="l" defTabSz="457200" rtl="0" eaLnBrk="1" latinLnBrk="0" hangingPunct="1">
+        <a:defRPr sz="1800" kern="1200">
           <a:solidFill>
             <a:schemeClr val="tx1"/>
           </a:solidFill>
@@ -3039,8 +3060,8 @@
           <a:cs typeface="+mn-cs"/>
         </a:defRPr>
       </a:lvl6pPr>
-      <a:lvl7pPr algn="l" defTabSz="342900" eaLnBrk="1" hangingPunct="1" latinLnBrk="0" marL="2057400" rtl="0">
-        <a:defRPr kern="1200" sz="1350">
+      <a:lvl7pPr marL="2743200" algn="l" defTabSz="457200" rtl="0" eaLnBrk="1" latinLnBrk="0" hangingPunct="1">
+        <a:defRPr sz="1800" kern="1200">
           <a:solidFill>
             <a:schemeClr val="tx1"/>
           </a:solidFill>
@@ -3049,8 +3070,8 @@
           <a:cs typeface="+mn-cs"/>
         </a:defRPr>
       </a:lvl7pPr>
-      <a:lvl8pPr algn="l" defTabSz="342900" eaLnBrk="1" hangingPunct="1" latinLnBrk="0" marL="2400300" rtl="0">
-        <a:defRPr kern="1200" sz="1350">
+      <a:lvl8pPr marL="3200400" algn="l" defTabSz="457200" rtl="0" eaLnBrk="1" latinLnBrk="0" hangingPunct="1">
+        <a:defRPr sz="1800" kern="1200">
           <a:solidFill>
             <a:schemeClr val="tx1"/>
           </a:solidFill>
@@ -3059,8 +3080,8 @@
           <a:cs typeface="+mn-cs"/>
         </a:defRPr>
       </a:lvl8pPr>
-      <a:lvl9pPr algn="l" defTabSz="342900" eaLnBrk="1" hangingPunct="1" latinLnBrk="0" marL="2743200" rtl="0">
-        <a:defRPr kern="1200" sz="1350">
+      <a:lvl9pPr marL="3657600" algn="l" defTabSz="457200" rtl="0" eaLnBrk="1" latinLnBrk="0" hangingPunct="1">
+        <a:defRPr sz="1800" kern="1200">
           <a:solidFill>
             <a:schemeClr val="tx1"/>
           </a:solidFill>
@@ -3106,12 +3127,12 @@
           <a:bodyPr/>
           <a:lstStyle/>
           <a:p>
-            <a:pPr lvl="0" indent="0" marL="0">
+            <a:pPr lvl="0" marL="0" indent="0">
               <a:buNone/>
             </a:pPr>
             <a:r>
               <a:rPr/>
-              <a:t>  Python les-materialen</a:t>
+              <a:t>  Python les-materialen  Yilmaz Mustafa, Instructeur Java/Python</a:t>
             </a:r>
           </a:p>
         </p:txBody>
@@ -3153,12 +3174,20 @@
           <a:bodyPr/>
           <a:lstStyle/>
           <a:p>
-            <a:pPr lvl="0" indent="0" marL="0">
+            <a:pPr lvl="0" marL="0" indent="0">
               <a:buNone/>
             </a:pPr>
             <a:r>
               <a:rPr/>
-              <a:t>Files (Bestanden)</a:t>
+              <a:t>Files</a:t>
+            </a:r>
+            <a:r>
+              <a:rPr/>
+              <a:t> </a:t>
+            </a:r>
+            <a:r>
+              <a:rPr/>
+              <a:t>(Bestanden)</a:t>
             </a:r>
           </a:p>
         </p:txBody>
@@ -3178,7 +3207,7 @@
           <a:bodyPr/>
           <a:lstStyle/>
           <a:p>
-            <a:pPr lvl="0" indent="0" marL="0">
+            <a:pPr lvl="0" marL="0" indent="0">
               <a:buNone/>
             </a:pPr>
             <a:r>
@@ -3187,7 +3216,7 @@
             </a:r>
           </a:p>
           <a:p>
-            <a:pPr lvl="0" indent="0" marL="0">
+            <a:pPr lvl="0" marL="0" indent="0">
               <a:buNone/>
             </a:pPr>
             <a:r>
@@ -3196,7 +3225,7 @@
             </a:r>
           </a:p>
           <a:p>
-            <a:pPr lvl="0" indent="0" marL="0">
+            <a:pPr lvl="0" marL="0" indent="0">
               <a:spcBef>
                 <a:spcPts val="3000"/>
               </a:spcBef>
@@ -3208,7 +3237,7 @@
             </a:r>
           </a:p>
           <a:p>
-            <a:pPr lvl="0" indent="0" marL="0">
+            <a:pPr lvl="0" marL="0" indent="0">
               <a:spcBef>
                 <a:spcPts val="3000"/>
               </a:spcBef>
@@ -3273,7 +3302,7 @@
             </a:r>
           </a:p>
           <a:p>
-            <a:pPr lvl="0" indent="0" marL="0">
+            <a:pPr lvl="0" marL="0" indent="0">
               <a:spcBef>
                 <a:spcPts val="3000"/>
               </a:spcBef>
@@ -3285,7 +3314,7 @@
             </a:r>
           </a:p>
           <a:p>
-            <a:pPr lvl="0" indent="0" marL="0">
+            <a:pPr lvl="0" marL="0" indent="0">
               <a:buNone/>
             </a:pPr>
             <a:r>
@@ -3294,7 +3323,7 @@
             </a:r>
           </a:p>
           <a:p>
-            <a:pPr lvl="0" indent="0" marL="0">
+            <a:pPr lvl="0" marL="0" indent="0">
               <a:buNone/>
             </a:pPr>
             <a:r>
@@ -3359,7 +3388,7 @@
             </a:r>
           </a:p>
           <a:p>
-            <a:pPr lvl="0" indent="0" marL="0">
+            <a:pPr lvl="0" marL="0" indent="0">
               <a:buNone/>
             </a:pPr>
             <a:r>
@@ -3398,7 +3427,7 @@
             </a:r>
           </a:p>
           <a:p>
-            <a:pPr lvl="0" indent="0" marL="0">
+            <a:pPr lvl="0" marL="0" indent="0">
               <a:buNone/>
             </a:pPr>
             <a:r>
@@ -3407,7 +3436,7 @@
             </a:r>
           </a:p>
           <a:p>
-            <a:pPr lvl="0" indent="0" marL="0">
+            <a:pPr lvl="0" marL="0" indent="0">
               <a:buNone/>
             </a:pPr>
             <a:r>
@@ -3427,7 +3456,7 @@
             </a:r>
           </a:p>
           <a:p>
-            <a:pPr lvl="0" indent="0" marL="0">
+            <a:pPr lvl="0" marL="0" indent="0">
               <a:buNone/>
             </a:pPr>
             <a:r>
@@ -3562,7 +3591,7 @@
             </a:r>
           </a:p>
           <a:p>
-            <a:pPr lvl="0" indent="0" marL="0">
+            <a:pPr lvl="0" marL="0" indent="0">
               <a:buNone/>
             </a:pPr>
             <a:r>
@@ -3650,7 +3679,7 @@
             </a:r>
           </a:p>
           <a:p>
-            <a:pPr lvl="0" indent="0" marL="0">
+            <a:pPr lvl="0" marL="0" indent="0">
               <a:buNone/>
             </a:pPr>
             <a:r>
@@ -3713,7 +3742,7 @@
             </a:r>
           </a:p>
           <a:p>
-            <a:pPr lvl="0" indent="0" marL="0">
+            <a:pPr lvl="0" marL="0" indent="0">
               <a:buNone/>
             </a:pPr>
             <a:r>
@@ -3733,7 +3762,7 @@
             </a:r>
           </a:p>
           <a:p>
-            <a:pPr lvl="0" indent="0" marL="0">
+            <a:pPr lvl="0" marL="0" indent="0">
               <a:spcBef>
                 <a:spcPts val="3000"/>
               </a:spcBef>
@@ -3745,7 +3774,7 @@
             </a:r>
           </a:p>
           <a:p>
-            <a:pPr lvl="0" indent="0" marL="0">
+            <a:pPr lvl="0" marL="0" indent="0">
               <a:buNone/>
             </a:pPr>
             <a:r>
@@ -3841,7 +3870,7 @@
             </a:r>
           </a:p>
           <a:p>
-            <a:pPr lvl="0" indent="0" marL="0">
+            <a:pPr lvl="0" marL="0" indent="0">
               <a:spcBef>
                 <a:spcPts val="3000"/>
               </a:spcBef>
@@ -3853,7 +3882,7 @@
             </a:r>
           </a:p>
           <a:p>
-            <a:pPr lvl="0" indent="0" marL="0">
+            <a:pPr lvl="0" marL="0" indent="0">
               <a:buNone/>
             </a:pPr>
             <a:r>
@@ -4011,7 +4040,7 @@
             </a:r>
           </a:p>
           <a:p>
-            <a:pPr lvl="0" indent="0" marL="0">
+            <a:pPr lvl="0" marL="0" indent="0">
               <a:spcBef>
                 <a:spcPts val="3000"/>
               </a:spcBef>
@@ -4023,7 +4052,7 @@
             </a:r>
           </a:p>
           <a:p>
-            <a:pPr lvl="0" indent="0" marL="0">
+            <a:pPr lvl="0" marL="0" indent="0">
               <a:buNone/>
             </a:pPr>
             <a:r>
@@ -4200,7 +4229,7 @@
             </a:r>
           </a:p>
           <a:p>
-            <a:pPr lvl="0" indent="0" marL="0">
+            <a:pPr lvl="0" marL="0" indent="0">
               <a:spcBef>
                 <a:spcPts val="3000"/>
               </a:spcBef>
@@ -4218,7 +4247,7 @@
             </a:r>
           </a:p>
           <a:p>
-            <a:pPr lvl="0" indent="0" marL="0">
+            <a:pPr lvl="0" marL="0" indent="0">
               <a:buNone/>
             </a:pPr>
             <a:r>
@@ -4303,7 +4332,7 @@
             </a:r>
           </a:p>
           <a:p>
-            <a:pPr lvl="0" indent="0" marL="0">
+            <a:pPr lvl="0" marL="0" indent="0">
               <a:buNone/>
             </a:pPr>
             <a:r>
@@ -4322,7 +4351,7 @@
             </a:r>
           </a:p>
           <a:p>
-            <a:pPr lvl="0" indent="0" marL="0">
+            <a:pPr lvl="0" marL="0" indent="0">
               <a:spcBef>
                 <a:spcPts val="3000"/>
               </a:spcBef>
@@ -4334,7 +4363,7 @@
             </a:r>
           </a:p>
           <a:p>
-            <a:pPr lvl="0" indent="0" marL="0">
+            <a:pPr lvl="0" marL="0" indent="0">
               <a:buNone/>
             </a:pPr>
             <a:r>
@@ -4388,7 +4417,7 @@
             </a:r>
           </a:p>
           <a:p>
-            <a:pPr lvl="0" indent="0" marL="0">
+            <a:pPr lvl="0" marL="0" indent="0">
               <a:buNone/>
             </a:pPr>
             <a:r>
@@ -4466,7 +4495,7 @@
             </a:r>
           </a:p>
           <a:p>
-            <a:pPr lvl="0" indent="0" marL="0">
+            <a:pPr lvl="0" marL="0" indent="0">
               <a:buNone/>
             </a:pPr>
             <a:r>
@@ -4475,7 +4504,7 @@
             </a:r>
           </a:p>
           <a:p>
-            <a:pPr lvl="0" indent="-342900" marL="342900">
+            <a:pPr lvl="1">
               <a:buAutoNum type="arabicPeriod"/>
             </a:pPr>
             <a:r>
@@ -4484,7 +4513,7 @@
             </a:r>
           </a:p>
           <a:p>
-            <a:pPr lvl="0" indent="-342900" marL="342900">
+            <a:pPr lvl="1">
               <a:buAutoNum type="arabicPeriod"/>
             </a:pPr>
             <a:r>
@@ -4503,7 +4532,7 @@
             </a:r>
           </a:p>
           <a:p>
-            <a:pPr lvl="0" indent="-342900" marL="342900">
+            <a:pPr lvl="1">
               <a:buAutoNum type="arabicPeriod"/>
             </a:pPr>
             <a:r>
@@ -4591,7 +4620,7 @@
             </a:r>
           </a:p>
           <a:p>
-            <a:pPr lvl="0" indent="0" marL="0">
+            <a:pPr lvl="0" marL="0" indent="0">
               <a:buNone/>
             </a:pPr>
             <a:r>
@@ -4924,265 +4953,4 @@
   </a:objectDefaults>
   <a:extraClrSchemeLst/>
 </a:theme>
-</file>
-
-<file path=ppt/theme/theme2.xml><?xml version="1.0" encoding="utf-8"?>
-<a:theme xmlns:a="http://schemas.openxmlformats.org/drawingml/2006/main" name="Office Theme">
-  <a:themeElements>
-    <a:clrScheme name="Office">
-      <a:dk1>
-        <a:sysClr val="windowText" lastClr="000000"/>
-      </a:dk1>
-      <a:lt1>
-        <a:sysClr val="window" lastClr="FFFFFF"/>
-      </a:lt1>
-      <a:dk2>
-        <a:srgbClr val="44546A"/>
-      </a:dk2>
-      <a:lt2>
-        <a:srgbClr val="E7E6E6"/>
-      </a:lt2>
-      <a:accent1>
-        <a:srgbClr val="5B9BD5"/>
-      </a:accent1>
-      <a:accent2>
-        <a:srgbClr val="ED7D31"/>
-      </a:accent2>
-      <a:accent3>
-        <a:srgbClr val="A5A5A5"/>
-      </a:accent3>
-      <a:accent4>
-        <a:srgbClr val="FFC000"/>
-      </a:accent4>
-      <a:accent5>
-        <a:srgbClr val="4472C4"/>
-      </a:accent5>
-      <a:accent6>
-        <a:srgbClr val="70AD47"/>
-      </a:accent6>
-      <a:hlink>
-        <a:srgbClr val="0563C1"/>
-      </a:hlink>
-      <a:folHlink>
-        <a:srgbClr val="954F72"/>
-      </a:folHlink>
-    </a:clrScheme>
-    <a:fontScheme name="Office">
-      <a:majorFont>
-        <a:latin typeface="Calibri Light" panose="020F0302020204030204"/>
-        <a:ea typeface=""/>
-        <a:cs typeface=""/>
-        <a:font script="Jpan" typeface="ＭＳ Ｐゴシック"/>
-        <a:font script="Hang" typeface="맑은 고딕"/>
-        <a:font script="Hans" typeface="宋体"/>
-        <a:font script="Hant" typeface="新細明體"/>
-        <a:font script="Arab" typeface="Times New Roman"/>
-        <a:font script="Hebr" typeface="Times New Roman"/>
-        <a:font script="Thai" typeface="Angsana New"/>
-        <a:font script="Ethi" typeface="Nyala"/>
-        <a:font script="Beng" typeface="Vrinda"/>
-        <a:font script="Gujr" typeface="Shruti"/>
-        <a:font script="Khmr" typeface="MoolBoran"/>
-        <a:font script="Knda" typeface="Tunga"/>
-        <a:font script="Guru" typeface="Raavi"/>
-        <a:font script="Cans" typeface="Euphemia"/>
-        <a:font script="Cher" typeface="Plantagenet Cherokee"/>
-        <a:font script="Yiii" typeface="Microsoft Yi Baiti"/>
-        <a:font script="Tibt" typeface="Microsoft Himalaya"/>
-        <a:font script="Thaa" typeface="MV Boli"/>
-        <a:font script="Deva" typeface="Mangal"/>
-        <a:font script="Telu" typeface="Gautami"/>
-        <a:font script="Taml" typeface="Latha"/>
-        <a:font script="Syrc" typeface="Estrangelo Edessa"/>
-        <a:font script="Orya" typeface="Kalinga"/>
-        <a:font script="Mlym" typeface="Kartika"/>
-        <a:font script="Laoo" typeface="DokChampa"/>
-        <a:font script="Sinh" typeface="Iskoola Pota"/>
-        <a:font script="Mong" typeface="Mongolian Baiti"/>
-        <a:font script="Viet" typeface="Times New Roman"/>
-        <a:font script="Uigh" typeface="Microsoft Uighur"/>
-        <a:font script="Geor" typeface="Sylfaen"/>
-      </a:majorFont>
-      <a:minorFont>
-        <a:latin typeface="Calibri" panose="020F0502020204030204"/>
-        <a:ea typeface=""/>
-        <a:cs typeface=""/>
-        <a:font script="Jpan" typeface="ＭＳ Ｐゴシック"/>
-        <a:font script="Hang" typeface="맑은 고딕"/>
-        <a:font script="Hans" typeface="宋体"/>
-        <a:font script="Hant" typeface="新細明體"/>
-        <a:font script="Arab" typeface="Arial"/>
-        <a:font script="Hebr" typeface="Arial"/>
-        <a:font script="Thai" typeface="Cordia New"/>
-        <a:font script="Ethi" typeface="Nyala"/>
-        <a:font script="Beng" typeface="Vrinda"/>
-        <a:font script="Gujr" typeface="Shruti"/>
-        <a:font script="Khmr" typeface="DaunPenh"/>
-        <a:font script="Knda" typeface="Tunga"/>
-        <a:font script="Guru" typeface="Raavi"/>
-        <a:font script="Cans" typeface="Euphemia"/>
-        <a:font script="Cher" typeface="Plantagenet Cherokee"/>
-        <a:font script="Yiii" typeface="Microsoft Yi Baiti"/>
-        <a:font script="Tibt" typeface="Microsoft Himalaya"/>
-        <a:font script="Thaa" typeface="MV Boli"/>
-        <a:font script="Deva" typeface="Mangal"/>
-        <a:font script="Telu" typeface="Gautami"/>
-        <a:font script="Taml" typeface="Latha"/>
-        <a:font script="Syrc" typeface="Estrangelo Edessa"/>
-        <a:font script="Orya" typeface="Kalinga"/>
-        <a:font script="Mlym" typeface="Kartika"/>
-        <a:font script="Laoo" typeface="DokChampa"/>
-        <a:font script="Sinh" typeface="Iskoola Pota"/>
-        <a:font script="Mong" typeface="Mongolian Baiti"/>
-        <a:font script="Viet" typeface="Arial"/>
-        <a:font script="Uigh" typeface="Microsoft Uighur"/>
-        <a:font script="Geor" typeface="Sylfaen"/>
-      </a:minorFont>
-    </a:fontScheme>
-    <a:fmtScheme name="Office">
-      <a:fillStyleLst>
-        <a:solidFill>
-          <a:schemeClr val="phClr"/>
-        </a:solidFill>
-        <a:gradFill rotWithShape="1">
-          <a:gsLst>
-            <a:gs pos="0">
-              <a:schemeClr val="phClr">
-                <a:lumMod val="110000"/>
-                <a:satMod val="105000"/>
-                <a:tint val="67000"/>
-              </a:schemeClr>
-            </a:gs>
-            <a:gs pos="50000">
-              <a:schemeClr val="phClr">
-                <a:lumMod val="105000"/>
-                <a:satMod val="103000"/>
-                <a:tint val="73000"/>
-              </a:schemeClr>
-            </a:gs>
-            <a:gs pos="100000">
-              <a:schemeClr val="phClr">
-                <a:lumMod val="105000"/>
-                <a:satMod val="109000"/>
-                <a:tint val="81000"/>
-              </a:schemeClr>
-            </a:gs>
-          </a:gsLst>
-          <a:lin ang="5400000" scaled="0"/>
-        </a:gradFill>
-        <a:gradFill rotWithShape="1">
-          <a:gsLst>
-            <a:gs pos="0">
-              <a:schemeClr val="phClr">
-                <a:satMod val="103000"/>
-                <a:lumMod val="102000"/>
-                <a:tint val="94000"/>
-              </a:schemeClr>
-            </a:gs>
-            <a:gs pos="50000">
-              <a:schemeClr val="phClr">
-                <a:satMod val="110000"/>
-                <a:lumMod val="100000"/>
-                <a:shade val="100000"/>
-              </a:schemeClr>
-            </a:gs>
-            <a:gs pos="100000">
-              <a:schemeClr val="phClr">
-                <a:lumMod val="99000"/>
-                <a:satMod val="120000"/>
-                <a:shade val="78000"/>
-              </a:schemeClr>
-            </a:gs>
-          </a:gsLst>
-          <a:lin ang="5400000" scaled="0"/>
-        </a:gradFill>
-      </a:fillStyleLst>
-      <a:lnStyleLst>
-        <a:ln w="6350" cap="flat" cmpd="sng" algn="ctr">
-          <a:solidFill>
-            <a:schemeClr val="phClr"/>
-          </a:solidFill>
-          <a:prstDash val="solid"/>
-          <a:miter lim="800000"/>
-        </a:ln>
-        <a:ln w="12700" cap="flat" cmpd="sng" algn="ctr">
-          <a:solidFill>
-            <a:schemeClr val="phClr"/>
-          </a:solidFill>
-          <a:prstDash val="solid"/>
-          <a:miter lim="800000"/>
-        </a:ln>
-        <a:ln w="19050" cap="flat" cmpd="sng" algn="ctr">
-          <a:solidFill>
-            <a:schemeClr val="phClr"/>
-          </a:solidFill>
-          <a:prstDash val="solid"/>
-          <a:miter lim="800000"/>
-        </a:ln>
-      </a:lnStyleLst>
-      <a:effectStyleLst>
-        <a:effectStyle>
-          <a:effectLst/>
-        </a:effectStyle>
-        <a:effectStyle>
-          <a:effectLst/>
-        </a:effectStyle>
-        <a:effectStyle>
-          <a:effectLst>
-            <a:outerShdw blurRad="57150" dist="19050" dir="5400000" algn="ctr" rotWithShape="0">
-              <a:srgbClr val="000000">
-                <a:alpha val="63000"/>
-              </a:srgbClr>
-            </a:outerShdw>
-          </a:effectLst>
-        </a:effectStyle>
-      </a:effectStyleLst>
-      <a:bgFillStyleLst>
-        <a:solidFill>
-          <a:schemeClr val="phClr"/>
-        </a:solidFill>
-        <a:solidFill>
-          <a:schemeClr val="phClr">
-            <a:tint val="95000"/>
-            <a:satMod val="170000"/>
-          </a:schemeClr>
-        </a:solidFill>
-        <a:gradFill rotWithShape="1">
-          <a:gsLst>
-            <a:gs pos="0">
-              <a:schemeClr val="phClr">
-                <a:tint val="93000"/>
-                <a:satMod val="150000"/>
-                <a:shade val="98000"/>
-                <a:lumMod val="102000"/>
-              </a:schemeClr>
-            </a:gs>
-            <a:gs pos="50000">
-              <a:schemeClr val="phClr">
-                <a:tint val="98000"/>
-                <a:satMod val="130000"/>
-                <a:shade val="90000"/>
-                <a:lumMod val="103000"/>
-              </a:schemeClr>
-            </a:gs>
-            <a:gs pos="100000">
-              <a:schemeClr val="phClr">
-                <a:shade val="63000"/>
-                <a:satMod val="120000"/>
-              </a:schemeClr>
-            </a:gs>
-          </a:gsLst>
-          <a:lin ang="5400000" scaled="0"/>
-        </a:gradFill>
-      </a:bgFillStyleLst>
-    </a:fmtScheme>
-  </a:themeElements>
-  <a:objectDefaults/>
-  <a:extraClrSchemeLst/>
-  <a:extLst>
-    <a:ext uri="{05A4C25C-085E-4340-85A3-A5531E510DB2}">
-      <thm15:themeFamily xmlns:thm15="http://schemas.microsoft.com/office/thememl/2012/main" name="Office Theme" id="{62F939B6-93AF-4DB8-9C6B-D6C7DFDC589F}" vid="{4A3C46E8-61CC-4603-A589-7422A47A8E4A}"/>
-    </a:ext>
-  </a:extLst>
-</a:theme>
 </file>